--- a/EATsight/2. 주제 선정/연구절차.pptx
+++ b/EATsight/2. 주제 선정/연구절차.pptx
@@ -5,10 +5,11 @@
     <p:sldMasterId id="2147483648" r:id="rId1"/>
   </p:sldMasterIdLst>
   <p:notesMasterIdLst>
-    <p:notesMasterId r:id="rId3"/>
+    <p:notesMasterId r:id="rId4"/>
   </p:notesMasterIdLst>
   <p:sldIdLst>
     <p:sldId id="257" r:id="rId2"/>
+    <p:sldId id="258" r:id="rId3"/>
   </p:sldIdLst>
   <p:sldSz cx="12192000" cy="6858000"/>
   <p:notesSz cx="6858000" cy="9144000"/>
@@ -107,6 +108,11 @@
       </a:defRPr>
     </a:lvl9pPr>
   </p:defaultTextStyle>
+  <p:extLst>
+    <p:ext uri="{EFAFB233-063F-42B5-8137-9DF3F51BA10A}">
+      <p15:sldGuideLst xmlns:p15="http://schemas.microsoft.com/office/powerpoint/2012/main"/>
+    </p:ext>
+  </p:extLst>
 </p:presentation>
 </file>
 
@@ -192,7 +198,7 @@
           <a:p>
             <a:fld id="{327ECBCB-8289-4F44-AD3B-B5FBFECC0A0D}" type="datetimeFigureOut">
               <a:rPr lang="ko-KR" altLang="en-US" smtClean="0"/>
-              <a:t>2025-04-28</a:t>
+              <a:t>2025-05-04</a:t>
             </a:fld>
             <a:endParaRPr lang="ko-KR" altLang="en-US"/>
           </a:p>
@@ -567,6 +573,114 @@
 </p:notes>
 </file>
 
+<file path=ppt/notesSlides/notesSlide2.xml><?xml version="1.0" encoding="utf-8"?>
+<p:notes xmlns:a="http://schemas.openxmlformats.org/drawingml/2006/main" xmlns:r="http://schemas.openxmlformats.org/officeDocument/2006/relationships" xmlns:p="http://schemas.openxmlformats.org/presentationml/2006/main">
+  <p:cSld>
+    <p:spTree>
+      <p:nvGrpSpPr>
+        <p:cNvPr id="1" name="">
+          <a:extLst>
+            <a:ext uri="{FF2B5EF4-FFF2-40B4-BE49-F238E27FC236}">
+              <a16:creationId xmlns:a16="http://schemas.microsoft.com/office/drawing/2014/main" id="{BDF8A489-ACAC-7FE3-7163-2A1E00A06875}"/>
+            </a:ext>
+          </a:extLst>
+        </p:cNvPr>
+        <p:cNvGrpSpPr/>
+        <p:nvPr/>
+      </p:nvGrpSpPr>
+      <p:grpSpPr>
+        <a:xfrm>
+          <a:off x="0" y="0"/>
+          <a:ext cx="0" cy="0"/>
+          <a:chOff x="0" y="0"/>
+          <a:chExt cx="0" cy="0"/>
+        </a:xfrm>
+      </p:grpSpPr>
+      <p:sp>
+        <p:nvSpPr>
+          <p:cNvPr id="2" name="슬라이드 이미지 개체 틀 1">
+            <a:extLst>
+              <a:ext uri="{FF2B5EF4-FFF2-40B4-BE49-F238E27FC236}">
+                <a16:creationId xmlns:a16="http://schemas.microsoft.com/office/drawing/2014/main" id="{90CC4CD9-8218-ED47-92AB-A1062ED6FBF3}"/>
+              </a:ext>
+            </a:extLst>
+          </p:cNvPr>
+          <p:cNvSpPr>
+            <a:spLocks noGrp="1" noRot="1" noChangeAspect="1"/>
+          </p:cNvSpPr>
+          <p:nvPr>
+            <p:ph type="sldImg"/>
+          </p:nvPr>
+        </p:nvSpPr>
+        <p:spPr/>
+      </p:sp>
+      <p:sp>
+        <p:nvSpPr>
+          <p:cNvPr id="3" name="슬라이드 노트 개체 틀 2">
+            <a:extLst>
+              <a:ext uri="{FF2B5EF4-FFF2-40B4-BE49-F238E27FC236}">
+                <a16:creationId xmlns:a16="http://schemas.microsoft.com/office/drawing/2014/main" id="{15E4B775-C36A-635C-0124-22B220403680}"/>
+              </a:ext>
+            </a:extLst>
+          </p:cNvPr>
+          <p:cNvSpPr>
+            <a:spLocks noGrp="1"/>
+          </p:cNvSpPr>
+          <p:nvPr>
+            <p:ph type="body" idx="1"/>
+          </p:nvPr>
+        </p:nvSpPr>
+        <p:spPr/>
+        <p:txBody>
+          <a:bodyPr/>
+          <a:lstStyle/>
+          <a:p>
+            <a:endParaRPr lang="ko-KR" altLang="en-US" dirty="0"/>
+          </a:p>
+        </p:txBody>
+      </p:sp>
+      <p:sp>
+        <p:nvSpPr>
+          <p:cNvPr id="4" name="슬라이드 번호 개체 틀 3">
+            <a:extLst>
+              <a:ext uri="{FF2B5EF4-FFF2-40B4-BE49-F238E27FC236}">
+                <a16:creationId xmlns:a16="http://schemas.microsoft.com/office/drawing/2014/main" id="{49D7BD2C-9C1C-ECB3-1878-C90A8B6DFD32}"/>
+              </a:ext>
+            </a:extLst>
+          </p:cNvPr>
+          <p:cNvSpPr>
+            <a:spLocks noGrp="1"/>
+          </p:cNvSpPr>
+          <p:nvPr>
+            <p:ph type="sldNum" sz="quarter" idx="5"/>
+          </p:nvPr>
+        </p:nvSpPr>
+        <p:spPr/>
+        <p:txBody>
+          <a:bodyPr/>
+          <a:lstStyle/>
+          <a:p>
+            <a:fld id="{CDE300E9-376B-43A6-AF1E-31EA0DE4EBF5}" type="slidenum">
+              <a:rPr lang="ko-KR" altLang="en-US" smtClean="0"/>
+              <a:t>2</a:t>
+            </a:fld>
+            <a:endParaRPr lang="ko-KR" altLang="en-US"/>
+          </a:p>
+        </p:txBody>
+      </p:sp>
+    </p:spTree>
+    <p:extLst>
+      <p:ext uri="{BB962C8B-B14F-4D97-AF65-F5344CB8AC3E}">
+        <p14:creationId xmlns:p14="http://schemas.microsoft.com/office/powerpoint/2010/main" val="3999152514"/>
+      </p:ext>
+    </p:extLst>
+  </p:cSld>
+  <p:clrMapOvr>
+    <a:masterClrMapping/>
+  </p:clrMapOvr>
+</p:notes>
+</file>
+
 <file path=ppt/slideLayouts/slideLayout1.xml><?xml version="1.0" encoding="utf-8"?>
 <p:sldLayout xmlns:a="http://schemas.openxmlformats.org/drawingml/2006/main" xmlns:r="http://schemas.openxmlformats.org/officeDocument/2006/relationships" xmlns:p="http://schemas.openxmlformats.org/presentationml/2006/main" type="title" preserve="1">
   <p:cSld name="제목 슬라이드">
@@ -714,7 +828,7 @@
           <a:p>
             <a:fld id="{C147E521-5D7C-4708-96CD-254069FC0D91}" type="datetimeFigureOut">
               <a:rPr lang="ko-KR" altLang="en-US" smtClean="0"/>
-              <a:t>2025-04-28</a:t>
+              <a:t>2025-05-04</a:t>
             </a:fld>
             <a:endParaRPr lang="ko-KR" altLang="en-US"/>
           </a:p>
@@ -912,7 +1026,7 @@
           <a:p>
             <a:fld id="{C147E521-5D7C-4708-96CD-254069FC0D91}" type="datetimeFigureOut">
               <a:rPr lang="ko-KR" altLang="en-US" smtClean="0"/>
-              <a:t>2025-04-28</a:t>
+              <a:t>2025-05-04</a:t>
             </a:fld>
             <a:endParaRPr lang="ko-KR" altLang="en-US"/>
           </a:p>
@@ -1120,7 +1234,7 @@
           <a:p>
             <a:fld id="{C147E521-5D7C-4708-96CD-254069FC0D91}" type="datetimeFigureOut">
               <a:rPr lang="ko-KR" altLang="en-US" smtClean="0"/>
-              <a:t>2025-04-28</a:t>
+              <a:t>2025-05-04</a:t>
             </a:fld>
             <a:endParaRPr lang="ko-KR" altLang="en-US"/>
           </a:p>
@@ -1318,7 +1432,7 @@
           <a:p>
             <a:fld id="{C147E521-5D7C-4708-96CD-254069FC0D91}" type="datetimeFigureOut">
               <a:rPr lang="ko-KR" altLang="en-US" smtClean="0"/>
-              <a:t>2025-04-28</a:t>
+              <a:t>2025-05-04</a:t>
             </a:fld>
             <a:endParaRPr lang="ko-KR" altLang="en-US"/>
           </a:p>
@@ -1593,7 +1707,7 @@
           <a:p>
             <a:fld id="{C147E521-5D7C-4708-96CD-254069FC0D91}" type="datetimeFigureOut">
               <a:rPr lang="ko-KR" altLang="en-US" smtClean="0"/>
-              <a:t>2025-04-28</a:t>
+              <a:t>2025-05-04</a:t>
             </a:fld>
             <a:endParaRPr lang="ko-KR" altLang="en-US"/>
           </a:p>
@@ -1858,7 +1972,7 @@
           <a:p>
             <a:fld id="{C147E521-5D7C-4708-96CD-254069FC0D91}" type="datetimeFigureOut">
               <a:rPr lang="ko-KR" altLang="en-US" smtClean="0"/>
-              <a:t>2025-04-28</a:t>
+              <a:t>2025-05-04</a:t>
             </a:fld>
             <a:endParaRPr lang="ko-KR" altLang="en-US"/>
           </a:p>
@@ -2270,7 +2384,7 @@
           <a:p>
             <a:fld id="{C147E521-5D7C-4708-96CD-254069FC0D91}" type="datetimeFigureOut">
               <a:rPr lang="ko-KR" altLang="en-US" smtClean="0"/>
-              <a:t>2025-04-28</a:t>
+              <a:t>2025-05-04</a:t>
             </a:fld>
             <a:endParaRPr lang="ko-KR" altLang="en-US"/>
           </a:p>
@@ -2411,7 +2525,7 @@
           <a:p>
             <a:fld id="{C147E521-5D7C-4708-96CD-254069FC0D91}" type="datetimeFigureOut">
               <a:rPr lang="ko-KR" altLang="en-US" smtClean="0"/>
-              <a:t>2025-04-28</a:t>
+              <a:t>2025-05-04</a:t>
             </a:fld>
             <a:endParaRPr lang="ko-KR" altLang="en-US"/>
           </a:p>
@@ -2524,7 +2638,7 @@
           <a:p>
             <a:fld id="{C147E521-5D7C-4708-96CD-254069FC0D91}" type="datetimeFigureOut">
               <a:rPr lang="ko-KR" altLang="en-US" smtClean="0"/>
-              <a:t>2025-04-28</a:t>
+              <a:t>2025-05-04</a:t>
             </a:fld>
             <a:endParaRPr lang="ko-KR" altLang="en-US"/>
           </a:p>
@@ -2835,7 +2949,7 @@
           <a:p>
             <a:fld id="{C147E521-5D7C-4708-96CD-254069FC0D91}" type="datetimeFigureOut">
               <a:rPr lang="ko-KR" altLang="en-US" smtClean="0"/>
-              <a:t>2025-04-28</a:t>
+              <a:t>2025-05-04</a:t>
             </a:fld>
             <a:endParaRPr lang="ko-KR" altLang="en-US"/>
           </a:p>
@@ -3123,7 +3237,7 @@
           <a:p>
             <a:fld id="{C147E521-5D7C-4708-96CD-254069FC0D91}" type="datetimeFigureOut">
               <a:rPr lang="ko-KR" altLang="en-US" smtClean="0"/>
-              <a:t>2025-04-28</a:t>
+              <a:t>2025-05-04</a:t>
             </a:fld>
             <a:endParaRPr lang="ko-KR" altLang="en-US"/>
           </a:p>
@@ -3364,7 +3478,7 @@
           <a:p>
             <a:fld id="{C147E521-5D7C-4708-96CD-254069FC0D91}" type="datetimeFigureOut">
               <a:rPr lang="ko-KR" altLang="en-US" smtClean="0"/>
-              <a:t>2025-04-28</a:t>
+              <a:t>2025-05-04</a:t>
             </a:fld>
             <a:endParaRPr lang="ko-KR" altLang="en-US"/>
           </a:p>
@@ -5793,6 +5907,2048 @@
     <p:extLst>
       <p:ext uri="{BB962C8B-B14F-4D97-AF65-F5344CB8AC3E}">
         <p14:creationId xmlns:p14="http://schemas.microsoft.com/office/powerpoint/2010/main" val="2257336921"/>
+      </p:ext>
+    </p:extLst>
+  </p:cSld>
+  <p:clrMapOvr>
+    <a:masterClrMapping/>
+  </p:clrMapOvr>
+</p:sld>
+</file>
+
+<file path=ppt/slides/slide2.xml><?xml version="1.0" encoding="utf-8"?>
+<p:sld xmlns:a="http://schemas.openxmlformats.org/drawingml/2006/main" xmlns:r="http://schemas.openxmlformats.org/officeDocument/2006/relationships" xmlns:p="http://schemas.openxmlformats.org/presentationml/2006/main">
+  <p:cSld>
+    <p:spTree>
+      <p:nvGrpSpPr>
+        <p:cNvPr id="1" name="">
+          <a:extLst>
+            <a:ext uri="{FF2B5EF4-FFF2-40B4-BE49-F238E27FC236}">
+              <a16:creationId xmlns:a16="http://schemas.microsoft.com/office/drawing/2014/main" id="{DFCAF8C0-4980-282D-D6BB-4E39B028549D}"/>
+            </a:ext>
+          </a:extLst>
+        </p:cNvPr>
+        <p:cNvGrpSpPr/>
+        <p:nvPr/>
+      </p:nvGrpSpPr>
+      <p:grpSpPr>
+        <a:xfrm>
+          <a:off x="0" y="0"/>
+          <a:ext cx="0" cy="0"/>
+          <a:chOff x="0" y="0"/>
+          <a:chExt cx="0" cy="0"/>
+        </a:xfrm>
+      </p:grpSpPr>
+      <p:sp>
+        <p:nvSpPr>
+          <p:cNvPr id="21" name="직사각형 20">
+            <a:extLst>
+              <a:ext uri="{FF2B5EF4-FFF2-40B4-BE49-F238E27FC236}">
+                <a16:creationId xmlns:a16="http://schemas.microsoft.com/office/drawing/2014/main" id="{486FB8D7-E1B1-56BB-153D-6EFED1AB2F01}"/>
+              </a:ext>
+            </a:extLst>
+          </p:cNvPr>
+          <p:cNvSpPr/>
+          <p:nvPr/>
+        </p:nvSpPr>
+        <p:spPr>
+          <a:xfrm>
+            <a:off x="-246400" y="-336550"/>
+            <a:ext cx="12827000" cy="7531100"/>
+          </a:xfrm>
+          <a:prstGeom prst="rect">
+            <a:avLst/>
+          </a:prstGeom>
+          <a:solidFill>
+            <a:srgbClr val="EFF5FB"/>
+          </a:solidFill>
+          <a:ln>
+            <a:noFill/>
+          </a:ln>
+        </p:spPr>
+        <p:style>
+          <a:lnRef idx="2">
+            <a:schemeClr val="accent1">
+              <a:shade val="15000"/>
+            </a:schemeClr>
+          </a:lnRef>
+          <a:fillRef idx="1">
+            <a:schemeClr val="accent1"/>
+          </a:fillRef>
+          <a:effectRef idx="0">
+            <a:schemeClr val="accent1"/>
+          </a:effectRef>
+          <a:fontRef idx="minor">
+            <a:schemeClr val="lt1"/>
+          </a:fontRef>
+        </p:style>
+        <p:txBody>
+          <a:bodyPr rtlCol="0" anchor="ctr"/>
+          <a:lstStyle/>
+          <a:p>
+            <a:pPr algn="ctr"/>
+            <a:endParaRPr lang="ko-KR" altLang="en-US" dirty="0"/>
+          </a:p>
+        </p:txBody>
+      </p:sp>
+      <p:sp>
+        <p:nvSpPr>
+          <p:cNvPr id="4" name="TextBox 3">
+            <a:extLst>
+              <a:ext uri="{FF2B5EF4-FFF2-40B4-BE49-F238E27FC236}">
+                <a16:creationId xmlns:a16="http://schemas.microsoft.com/office/drawing/2014/main" id="{8A32F34B-25EA-0CC5-62EC-3D69D2AEDF1F}"/>
+              </a:ext>
+            </a:extLst>
+          </p:cNvPr>
+          <p:cNvSpPr txBox="1"/>
+          <p:nvPr/>
+        </p:nvSpPr>
+        <p:spPr>
+          <a:xfrm>
+            <a:off x="380188" y="210278"/>
+            <a:ext cx="1776423" cy="1446550"/>
+          </a:xfrm>
+          <a:prstGeom prst="rect">
+            <a:avLst/>
+          </a:prstGeom>
+          <a:noFill/>
+        </p:spPr>
+        <p:txBody>
+          <a:bodyPr wrap="square" rtlCol="0">
+            <a:spAutoFit/>
+          </a:bodyPr>
+          <a:lstStyle/>
+          <a:p>
+            <a:r>
+              <a:rPr lang="ko-KR" altLang="en-US" sz="4400" dirty="0">
+                <a:latin typeface="Pretendard Black" panose="02000A03000000020004" pitchFamily="2" charset="-127"/>
+                <a:ea typeface="Pretendard Black" panose="02000A03000000020004" pitchFamily="2" charset="-127"/>
+                <a:cs typeface="Pretendard Black" panose="02000A03000000020004" pitchFamily="2" charset="-127"/>
+              </a:rPr>
+              <a:t>연구</a:t>
+            </a:r>
+            <a:endParaRPr lang="en-US" altLang="ko-KR" sz="4400" dirty="0">
+              <a:latin typeface="Pretendard Black" panose="02000A03000000020004" pitchFamily="2" charset="-127"/>
+              <a:ea typeface="Pretendard Black" panose="02000A03000000020004" pitchFamily="2" charset="-127"/>
+              <a:cs typeface="Pretendard Black" panose="02000A03000000020004" pitchFamily="2" charset="-127"/>
+            </a:endParaRPr>
+          </a:p>
+          <a:p>
+            <a:r>
+              <a:rPr lang="ko-KR" altLang="en-US" sz="4400" dirty="0">
+                <a:latin typeface="Pretendard Black" panose="02000A03000000020004" pitchFamily="2" charset="-127"/>
+                <a:ea typeface="Pretendard Black" panose="02000A03000000020004" pitchFamily="2" charset="-127"/>
+                <a:cs typeface="Pretendard Black" panose="02000A03000000020004" pitchFamily="2" charset="-127"/>
+              </a:rPr>
+              <a:t>절차</a:t>
+            </a:r>
+          </a:p>
+        </p:txBody>
+      </p:sp>
+      <p:sp>
+        <p:nvSpPr>
+          <p:cNvPr id="7" name="직사각형 6">
+            <a:extLst>
+              <a:ext uri="{FF2B5EF4-FFF2-40B4-BE49-F238E27FC236}">
+                <a16:creationId xmlns:a16="http://schemas.microsoft.com/office/drawing/2014/main" id="{5D41E3AD-59D7-35DB-3622-E3F73F543996}"/>
+              </a:ext>
+            </a:extLst>
+          </p:cNvPr>
+          <p:cNvSpPr/>
+          <p:nvPr/>
+        </p:nvSpPr>
+        <p:spPr>
+          <a:xfrm>
+            <a:off x="2210210" y="2859874"/>
+            <a:ext cx="1563329" cy="852948"/>
+          </a:xfrm>
+          <a:prstGeom prst="rect">
+            <a:avLst/>
+          </a:prstGeom>
+          <a:noFill/>
+          <a:ln w="28575">
+            <a:noFill/>
+          </a:ln>
+        </p:spPr>
+        <p:style>
+          <a:lnRef idx="2">
+            <a:schemeClr val="accent1">
+              <a:shade val="15000"/>
+            </a:schemeClr>
+          </a:lnRef>
+          <a:fillRef idx="1">
+            <a:schemeClr val="accent1"/>
+          </a:fillRef>
+          <a:effectRef idx="0">
+            <a:schemeClr val="accent1"/>
+          </a:effectRef>
+          <a:fontRef idx="minor">
+            <a:schemeClr val="lt1"/>
+          </a:fontRef>
+        </p:style>
+        <p:txBody>
+          <a:bodyPr rtlCol="0" anchor="ctr"/>
+          <a:lstStyle/>
+          <a:p>
+            <a:pPr algn="ctr"/>
+            <a:endParaRPr lang="ko-KR" altLang="en-US" sz="2000" dirty="0">
+              <a:solidFill>
+                <a:sysClr val="windowText" lastClr="000000"/>
+              </a:solidFill>
+              <a:latin typeface="Pretendard Black" panose="02000A03000000020004" pitchFamily="2" charset="-127"/>
+              <a:ea typeface="Pretendard Black" panose="02000A03000000020004" pitchFamily="2" charset="-127"/>
+              <a:cs typeface="Pretendard Black" panose="02000A03000000020004" pitchFamily="2" charset="-127"/>
+            </a:endParaRPr>
+          </a:p>
+        </p:txBody>
+      </p:sp>
+      <p:sp>
+        <p:nvSpPr>
+          <p:cNvPr id="83" name="이등변 삼각형 82">
+            <a:extLst>
+              <a:ext uri="{FF2B5EF4-FFF2-40B4-BE49-F238E27FC236}">
+                <a16:creationId xmlns:a16="http://schemas.microsoft.com/office/drawing/2014/main" id="{9E3D77A7-A4BD-30BC-40DC-F23E38D4AD28}"/>
+              </a:ext>
+            </a:extLst>
+          </p:cNvPr>
+          <p:cNvSpPr/>
+          <p:nvPr/>
+        </p:nvSpPr>
+        <p:spPr>
+          <a:xfrm rot="10800000">
+            <a:off x="4852880" y="2613752"/>
+            <a:ext cx="281792" cy="242924"/>
+          </a:xfrm>
+          <a:prstGeom prst="triangle">
+            <a:avLst/>
+          </a:prstGeom>
+          <a:solidFill>
+            <a:srgbClr val="FF0000"/>
+          </a:solidFill>
+          <a:ln>
+            <a:noFill/>
+          </a:ln>
+          <a:effectLst>
+            <a:reflection blurRad="6350" stA="50000" endA="300" endPos="55000" dir="5400000" sy="-100000" algn="bl" rotWithShape="0"/>
+          </a:effectLst>
+        </p:spPr>
+        <p:style>
+          <a:lnRef idx="2">
+            <a:schemeClr val="accent1">
+              <a:shade val="15000"/>
+            </a:schemeClr>
+          </a:lnRef>
+          <a:fillRef idx="1">
+            <a:schemeClr val="accent1"/>
+          </a:fillRef>
+          <a:effectRef idx="0">
+            <a:schemeClr val="accent1"/>
+          </a:effectRef>
+          <a:fontRef idx="minor">
+            <a:schemeClr val="lt1"/>
+          </a:fontRef>
+        </p:style>
+        <p:txBody>
+          <a:bodyPr rtlCol="0" anchor="ctr"/>
+          <a:lstStyle/>
+          <a:p>
+            <a:pPr algn="ctr"/>
+            <a:r>
+              <a:rPr lang="en-US" altLang="ko-KR" dirty="0"/>
+              <a:t> </a:t>
+            </a:r>
+            <a:endParaRPr lang="ko-KR" altLang="en-US" dirty="0"/>
+          </a:p>
+        </p:txBody>
+      </p:sp>
+      <p:sp>
+        <p:nvSpPr>
+          <p:cNvPr id="84" name="TextBox 83">
+            <a:extLst>
+              <a:ext uri="{FF2B5EF4-FFF2-40B4-BE49-F238E27FC236}">
+                <a16:creationId xmlns:a16="http://schemas.microsoft.com/office/drawing/2014/main" id="{A96227F8-094B-1EEA-C06B-BE926B59ECF3}"/>
+              </a:ext>
+            </a:extLst>
+          </p:cNvPr>
+          <p:cNvSpPr txBox="1"/>
+          <p:nvPr/>
+        </p:nvSpPr>
+        <p:spPr>
+          <a:xfrm>
+            <a:off x="144485" y="3635378"/>
+            <a:ext cx="2064773" cy="584775"/>
+          </a:xfrm>
+          <a:prstGeom prst="rect">
+            <a:avLst/>
+          </a:prstGeom>
+          <a:noFill/>
+        </p:spPr>
+        <p:txBody>
+          <a:bodyPr wrap="square" rtlCol="0">
+            <a:spAutoFit/>
+          </a:bodyPr>
+          <a:lstStyle/>
+          <a:p>
+            <a:r>
+              <a:rPr lang="ko-KR" altLang="en-US" sz="1600" dirty="0">
+                <a:latin typeface="Pretendard" panose="02000503000000020004" pitchFamily="2" charset="-127"/>
+                <a:ea typeface="Pretendard" panose="02000503000000020004" pitchFamily="2" charset="-127"/>
+                <a:cs typeface="Pretendard" panose="02000503000000020004" pitchFamily="2" charset="-127"/>
+              </a:rPr>
+              <a:t>올리브영 홈페이지</a:t>
+            </a:r>
+            <a:br>
+              <a:rPr lang="en-US" altLang="ko-KR" sz="1600" dirty="0">
+                <a:latin typeface="Pretendard" panose="02000503000000020004" pitchFamily="2" charset="-127"/>
+                <a:ea typeface="Pretendard" panose="02000503000000020004" pitchFamily="2" charset="-127"/>
+                <a:cs typeface="Pretendard" panose="02000503000000020004" pitchFamily="2" charset="-127"/>
+              </a:rPr>
+            </a:br>
+            <a:r>
+              <a:rPr lang="ko-KR" altLang="en-US" sz="1600" dirty="0">
+                <a:latin typeface="Pretendard" panose="02000503000000020004" pitchFamily="2" charset="-127"/>
+                <a:ea typeface="Pretendard" panose="02000503000000020004" pitchFamily="2" charset="-127"/>
+                <a:cs typeface="Pretendard" panose="02000503000000020004" pitchFamily="2" charset="-127"/>
+              </a:rPr>
+              <a:t>리뷰 데이터 수집</a:t>
+            </a:r>
+            <a:endParaRPr lang="en-US" altLang="ko-KR" sz="1600" dirty="0">
+              <a:latin typeface="Pretendard" panose="02000503000000020004" pitchFamily="2" charset="-127"/>
+              <a:ea typeface="Pretendard" panose="02000503000000020004" pitchFamily="2" charset="-127"/>
+              <a:cs typeface="Pretendard" panose="02000503000000020004" pitchFamily="2" charset="-127"/>
+            </a:endParaRPr>
+          </a:p>
+        </p:txBody>
+      </p:sp>
+      <p:sp>
+        <p:nvSpPr>
+          <p:cNvPr id="85" name="TextBox 84">
+            <a:extLst>
+              <a:ext uri="{FF2B5EF4-FFF2-40B4-BE49-F238E27FC236}">
+                <a16:creationId xmlns:a16="http://schemas.microsoft.com/office/drawing/2014/main" id="{E117DCEA-D982-5E70-62CC-F8497AA6900A}"/>
+              </a:ext>
+            </a:extLst>
+          </p:cNvPr>
+          <p:cNvSpPr txBox="1"/>
+          <p:nvPr/>
+        </p:nvSpPr>
+        <p:spPr>
+          <a:xfrm>
+            <a:off x="144485" y="4274375"/>
+            <a:ext cx="2064773" cy="830997"/>
+          </a:xfrm>
+          <a:prstGeom prst="rect">
+            <a:avLst/>
+          </a:prstGeom>
+          <a:noFill/>
+        </p:spPr>
+        <p:txBody>
+          <a:bodyPr wrap="square" rtlCol="0">
+            <a:spAutoFit/>
+          </a:bodyPr>
+          <a:lstStyle/>
+          <a:p>
+            <a:r>
+              <a:rPr lang="ko-KR" altLang="en-US" sz="1600" dirty="0">
+                <a:latin typeface="Pretendard" panose="02000503000000020004" pitchFamily="2" charset="-127"/>
+                <a:ea typeface="Pretendard" panose="02000503000000020004" pitchFamily="2" charset="-127"/>
+                <a:cs typeface="Pretendard" panose="02000503000000020004" pitchFamily="2" charset="-127"/>
+              </a:rPr>
+              <a:t>제품명</a:t>
+            </a:r>
+            <a:r>
+              <a:rPr lang="en-US" altLang="ko-KR" sz="1600" dirty="0">
+                <a:latin typeface="Pretendard" panose="02000503000000020004" pitchFamily="2" charset="-127"/>
+                <a:ea typeface="Pretendard" panose="02000503000000020004" pitchFamily="2" charset="-127"/>
+                <a:cs typeface="Pretendard" panose="02000503000000020004" pitchFamily="2" charset="-127"/>
+              </a:rPr>
+              <a:t>, </a:t>
+            </a:r>
+            <a:r>
+              <a:rPr lang="ko-KR" altLang="en-US" sz="1600" dirty="0" err="1">
+                <a:latin typeface="Pretendard" panose="02000503000000020004" pitchFamily="2" charset="-127"/>
+                <a:ea typeface="Pretendard" panose="02000503000000020004" pitchFamily="2" charset="-127"/>
+                <a:cs typeface="Pretendard" panose="02000503000000020004" pitchFamily="2" charset="-127"/>
+              </a:rPr>
+              <a:t>별점</a:t>
+            </a:r>
+            <a:r>
+              <a:rPr lang="en-US" altLang="ko-KR" sz="1600" dirty="0">
+                <a:latin typeface="Pretendard" panose="02000503000000020004" pitchFamily="2" charset="-127"/>
+                <a:ea typeface="Pretendard" panose="02000503000000020004" pitchFamily="2" charset="-127"/>
+                <a:cs typeface="Pretendard" panose="02000503000000020004" pitchFamily="2" charset="-127"/>
+              </a:rPr>
+              <a:t>, </a:t>
+            </a:r>
+            <a:r>
+              <a:rPr lang="ko-KR" altLang="en-US" sz="1600" dirty="0">
+                <a:latin typeface="Pretendard" panose="02000503000000020004" pitchFamily="2" charset="-127"/>
+                <a:ea typeface="Pretendard" panose="02000503000000020004" pitchFamily="2" charset="-127"/>
+                <a:cs typeface="Pretendard" panose="02000503000000020004" pitchFamily="2" charset="-127"/>
+              </a:rPr>
+              <a:t>리뷰</a:t>
+            </a:r>
+            <a:r>
+              <a:rPr lang="en-US" altLang="ko-KR" sz="1600" dirty="0">
+                <a:latin typeface="Pretendard" panose="02000503000000020004" pitchFamily="2" charset="-127"/>
+                <a:ea typeface="Pretendard" panose="02000503000000020004" pitchFamily="2" charset="-127"/>
+                <a:cs typeface="Pretendard" panose="02000503000000020004" pitchFamily="2" charset="-127"/>
+              </a:rPr>
+              <a:t>, </a:t>
+            </a:r>
+            <a:br>
+              <a:rPr lang="en-US" altLang="ko-KR" sz="1600" dirty="0">
+                <a:latin typeface="Pretendard" panose="02000503000000020004" pitchFamily="2" charset="-127"/>
+                <a:ea typeface="Pretendard" panose="02000503000000020004" pitchFamily="2" charset="-127"/>
+                <a:cs typeface="Pretendard" panose="02000503000000020004" pitchFamily="2" charset="-127"/>
+              </a:rPr>
+            </a:br>
+            <a:r>
+              <a:rPr lang="ko-KR" altLang="en-US" sz="1600" dirty="0">
+                <a:latin typeface="Pretendard" panose="02000503000000020004" pitchFamily="2" charset="-127"/>
+                <a:ea typeface="Pretendard" panose="02000503000000020004" pitchFamily="2" charset="-127"/>
+                <a:cs typeface="Pretendard" panose="02000503000000020004" pitchFamily="2" charset="-127"/>
+              </a:rPr>
+              <a:t>고객 피부타입 등 </a:t>
+            </a:r>
+            <a:br>
+              <a:rPr lang="en-US" altLang="ko-KR" sz="1600" dirty="0">
+                <a:latin typeface="Pretendard" panose="02000503000000020004" pitchFamily="2" charset="-127"/>
+                <a:ea typeface="Pretendard" panose="02000503000000020004" pitchFamily="2" charset="-127"/>
+                <a:cs typeface="Pretendard" panose="02000503000000020004" pitchFamily="2" charset="-127"/>
+              </a:rPr>
+            </a:br>
+            <a:r>
+              <a:rPr lang="ko-KR" altLang="en-US" sz="1600" dirty="0">
+                <a:latin typeface="Pretendard" panose="02000503000000020004" pitchFamily="2" charset="-127"/>
+                <a:ea typeface="Pretendard" panose="02000503000000020004" pitchFamily="2" charset="-127"/>
+                <a:cs typeface="Pretendard" panose="02000503000000020004" pitchFamily="2" charset="-127"/>
+              </a:rPr>
+              <a:t>변수 추출</a:t>
+            </a:r>
+            <a:endParaRPr lang="en-US" altLang="ko-KR" sz="1600" dirty="0">
+              <a:latin typeface="Pretendard" panose="02000503000000020004" pitchFamily="2" charset="-127"/>
+              <a:ea typeface="Pretendard" panose="02000503000000020004" pitchFamily="2" charset="-127"/>
+              <a:cs typeface="Pretendard" panose="02000503000000020004" pitchFamily="2" charset="-127"/>
+            </a:endParaRPr>
+          </a:p>
+        </p:txBody>
+      </p:sp>
+      <p:sp>
+        <p:nvSpPr>
+          <p:cNvPr id="86" name="TextBox 85">
+            <a:extLst>
+              <a:ext uri="{FF2B5EF4-FFF2-40B4-BE49-F238E27FC236}">
+                <a16:creationId xmlns:a16="http://schemas.microsoft.com/office/drawing/2014/main" id="{5F42F904-3A60-93E7-BE9B-052976162DDC}"/>
+              </a:ext>
+            </a:extLst>
+          </p:cNvPr>
+          <p:cNvSpPr txBox="1"/>
+          <p:nvPr/>
+        </p:nvSpPr>
+        <p:spPr>
+          <a:xfrm>
+            <a:off x="6433166" y="5083467"/>
+            <a:ext cx="2064773" cy="584775"/>
+          </a:xfrm>
+          <a:prstGeom prst="rect">
+            <a:avLst/>
+          </a:prstGeom>
+          <a:noFill/>
+        </p:spPr>
+        <p:txBody>
+          <a:bodyPr wrap="square" rtlCol="0">
+            <a:spAutoFit/>
+          </a:bodyPr>
+          <a:lstStyle/>
+          <a:p>
+            <a:r>
+              <a:rPr lang="ko-KR" altLang="en-US" sz="1600" dirty="0">
+                <a:latin typeface="Pretendard" panose="02000503000000020004" pitchFamily="2" charset="-127"/>
+                <a:ea typeface="Pretendard" panose="02000503000000020004" pitchFamily="2" charset="-127"/>
+                <a:cs typeface="Pretendard" panose="02000503000000020004" pitchFamily="2" charset="-127"/>
+              </a:rPr>
+              <a:t>리뷰의 </a:t>
+            </a:r>
+            <a:r>
+              <a:rPr lang="ko-KR" altLang="en-US" sz="1600" dirty="0" err="1">
+                <a:latin typeface="Pretendard" panose="02000503000000020004" pitchFamily="2" charset="-127"/>
+                <a:ea typeface="Pretendard" panose="02000503000000020004" pitchFamily="2" charset="-127"/>
+                <a:cs typeface="Pretendard" panose="02000503000000020004" pitchFamily="2" charset="-127"/>
+              </a:rPr>
+              <a:t>긍</a:t>
+            </a:r>
+            <a:r>
+              <a:rPr lang="en-US" altLang="ko-KR" sz="1600" dirty="0">
+                <a:latin typeface="Pretendard" panose="02000503000000020004" pitchFamily="2" charset="-127"/>
+                <a:ea typeface="Pretendard" panose="02000503000000020004" pitchFamily="2" charset="-127"/>
+                <a:cs typeface="Pretendard" panose="02000503000000020004" pitchFamily="2" charset="-127"/>
+              </a:rPr>
+              <a:t>/</a:t>
+            </a:r>
+            <a:r>
+              <a:rPr lang="ko-KR" altLang="en-US" sz="1600" dirty="0">
+                <a:latin typeface="Pretendard" panose="02000503000000020004" pitchFamily="2" charset="-127"/>
+                <a:ea typeface="Pretendard" panose="02000503000000020004" pitchFamily="2" charset="-127"/>
+                <a:cs typeface="Pretendard" panose="02000503000000020004" pitchFamily="2" charset="-127"/>
+              </a:rPr>
+              <a:t>부정 여부 </a:t>
+            </a:r>
+            <a:br>
+              <a:rPr lang="en-US" altLang="ko-KR" sz="1600" dirty="0">
+                <a:latin typeface="Pretendard" panose="02000503000000020004" pitchFamily="2" charset="-127"/>
+                <a:ea typeface="Pretendard" panose="02000503000000020004" pitchFamily="2" charset="-127"/>
+                <a:cs typeface="Pretendard" panose="02000503000000020004" pitchFamily="2" charset="-127"/>
+              </a:rPr>
+            </a:br>
+            <a:r>
+              <a:rPr lang="ko-KR" altLang="en-US" sz="1600" dirty="0">
+                <a:latin typeface="Pretendard" panose="02000503000000020004" pitchFamily="2" charset="-127"/>
+                <a:ea typeface="Pretendard" panose="02000503000000020004" pitchFamily="2" charset="-127"/>
+                <a:cs typeface="Pretendard" panose="02000503000000020004" pitchFamily="2" charset="-127"/>
+              </a:rPr>
+              <a:t>추출</a:t>
+            </a:r>
+            <a:endParaRPr lang="en-US" altLang="ko-KR" sz="1600" dirty="0">
+              <a:latin typeface="Pretendard" panose="02000503000000020004" pitchFamily="2" charset="-127"/>
+              <a:ea typeface="Pretendard" panose="02000503000000020004" pitchFamily="2" charset="-127"/>
+              <a:cs typeface="Pretendard" panose="02000503000000020004" pitchFamily="2" charset="-127"/>
+            </a:endParaRPr>
+          </a:p>
+        </p:txBody>
+      </p:sp>
+      <p:sp>
+        <p:nvSpPr>
+          <p:cNvPr id="87" name="TextBox 86">
+            <a:extLst>
+              <a:ext uri="{FF2B5EF4-FFF2-40B4-BE49-F238E27FC236}">
+                <a16:creationId xmlns:a16="http://schemas.microsoft.com/office/drawing/2014/main" id="{86A02AD7-CA6B-242F-C141-861C78ED7278}"/>
+              </a:ext>
+            </a:extLst>
+          </p:cNvPr>
+          <p:cNvSpPr txBox="1"/>
+          <p:nvPr/>
+        </p:nvSpPr>
+        <p:spPr>
+          <a:xfrm>
+            <a:off x="6433166" y="2096493"/>
+            <a:ext cx="2064773" cy="830997"/>
+          </a:xfrm>
+          <a:prstGeom prst="rect">
+            <a:avLst/>
+          </a:prstGeom>
+          <a:noFill/>
+        </p:spPr>
+        <p:txBody>
+          <a:bodyPr wrap="square" rtlCol="0">
+            <a:spAutoFit/>
+          </a:bodyPr>
+          <a:lstStyle/>
+          <a:p>
+            <a:r>
+              <a:rPr lang="ko-KR" altLang="en-US" sz="1600" dirty="0">
+                <a:latin typeface="Pretendard" panose="02000503000000020004" pitchFamily="2" charset="-127"/>
+                <a:ea typeface="Pretendard" panose="02000503000000020004" pitchFamily="2" charset="-127"/>
+                <a:cs typeface="Pretendard" panose="02000503000000020004" pitchFamily="2" charset="-127"/>
+              </a:rPr>
+              <a:t>제품 만족</a:t>
+            </a:r>
+            <a:r>
+              <a:rPr lang="en-US" altLang="ko-KR" sz="1600" dirty="0">
+                <a:latin typeface="Pretendard" panose="02000503000000020004" pitchFamily="2" charset="-127"/>
+                <a:ea typeface="Pretendard" panose="02000503000000020004" pitchFamily="2" charset="-127"/>
+                <a:cs typeface="Pretendard" panose="02000503000000020004" pitchFamily="2" charset="-127"/>
+              </a:rPr>
+              <a:t>/</a:t>
+            </a:r>
+            <a:r>
+              <a:rPr lang="ko-KR" altLang="en-US" sz="1600" dirty="0">
+                <a:latin typeface="Pretendard" panose="02000503000000020004" pitchFamily="2" charset="-127"/>
+                <a:ea typeface="Pretendard" panose="02000503000000020004" pitchFamily="2" charset="-127"/>
+                <a:cs typeface="Pretendard" panose="02000503000000020004" pitchFamily="2" charset="-127"/>
+              </a:rPr>
+              <a:t>불만족 </a:t>
+            </a:r>
+            <a:br>
+              <a:rPr lang="en-US" altLang="ko-KR" sz="1600" dirty="0">
+                <a:latin typeface="Pretendard" panose="02000503000000020004" pitchFamily="2" charset="-127"/>
+                <a:ea typeface="Pretendard" panose="02000503000000020004" pitchFamily="2" charset="-127"/>
+                <a:cs typeface="Pretendard" panose="02000503000000020004" pitchFamily="2" charset="-127"/>
+              </a:rPr>
+            </a:br>
+            <a:r>
+              <a:rPr lang="ko-KR" altLang="en-US" sz="1600" dirty="0">
+                <a:latin typeface="Pretendard" panose="02000503000000020004" pitchFamily="2" charset="-127"/>
+                <a:ea typeface="Pretendard" panose="02000503000000020004" pitchFamily="2" charset="-127"/>
+                <a:cs typeface="Pretendard" panose="02000503000000020004" pitchFamily="2" charset="-127"/>
+              </a:rPr>
+              <a:t>요인 바탕으로 </a:t>
+            </a:r>
+            <a:br>
+              <a:rPr lang="en-US" altLang="ko-KR" sz="1600" dirty="0">
+                <a:latin typeface="Pretendard" panose="02000503000000020004" pitchFamily="2" charset="-127"/>
+                <a:ea typeface="Pretendard" panose="02000503000000020004" pitchFamily="2" charset="-127"/>
+                <a:cs typeface="Pretendard" panose="02000503000000020004" pitchFamily="2" charset="-127"/>
+              </a:rPr>
+            </a:br>
+            <a:r>
+              <a:rPr lang="ko-KR" altLang="en-US" sz="1600" dirty="0">
+                <a:latin typeface="Pretendard" panose="02000503000000020004" pitchFamily="2" charset="-127"/>
+                <a:ea typeface="Pretendard" panose="02000503000000020004" pitchFamily="2" charset="-127"/>
+                <a:cs typeface="Pretendard" panose="02000503000000020004" pitchFamily="2" charset="-127"/>
+              </a:rPr>
+              <a:t>토픽 추출</a:t>
+            </a:r>
+            <a:endParaRPr lang="en-US" altLang="ko-KR" sz="1600" dirty="0">
+              <a:latin typeface="Pretendard" panose="02000503000000020004" pitchFamily="2" charset="-127"/>
+              <a:ea typeface="Pretendard" panose="02000503000000020004" pitchFamily="2" charset="-127"/>
+              <a:cs typeface="Pretendard" panose="02000503000000020004" pitchFamily="2" charset="-127"/>
+            </a:endParaRPr>
+          </a:p>
+        </p:txBody>
+      </p:sp>
+      <p:sp>
+        <p:nvSpPr>
+          <p:cNvPr id="88" name="TextBox 87">
+            <a:extLst>
+              <a:ext uri="{FF2B5EF4-FFF2-40B4-BE49-F238E27FC236}">
+                <a16:creationId xmlns:a16="http://schemas.microsoft.com/office/drawing/2014/main" id="{389F67CA-0D01-06BD-8921-08C9F39485FD}"/>
+              </a:ext>
+            </a:extLst>
+          </p:cNvPr>
+          <p:cNvSpPr txBox="1"/>
+          <p:nvPr/>
+        </p:nvSpPr>
+        <p:spPr>
+          <a:xfrm>
+            <a:off x="6418061" y="2972343"/>
+            <a:ext cx="2064773" cy="338554"/>
+          </a:xfrm>
+          <a:prstGeom prst="rect">
+            <a:avLst/>
+          </a:prstGeom>
+          <a:noFill/>
+        </p:spPr>
+        <p:txBody>
+          <a:bodyPr wrap="square" rtlCol="0">
+            <a:spAutoFit/>
+          </a:bodyPr>
+          <a:lstStyle/>
+          <a:p>
+            <a:r>
+              <a:rPr lang="ko-KR" altLang="en-US" sz="1600" dirty="0">
+                <a:latin typeface="Pretendard" panose="02000503000000020004" pitchFamily="2" charset="-127"/>
+                <a:ea typeface="Pretendard" panose="02000503000000020004" pitchFamily="2" charset="-127"/>
+                <a:cs typeface="Pretendard" panose="02000503000000020004" pitchFamily="2" charset="-127"/>
+              </a:rPr>
+              <a:t>요인분석</a:t>
+            </a:r>
+            <a:endParaRPr lang="en-US" altLang="ko-KR" sz="1600" dirty="0">
+              <a:latin typeface="Pretendard" panose="02000503000000020004" pitchFamily="2" charset="-127"/>
+              <a:ea typeface="Pretendard" panose="02000503000000020004" pitchFamily="2" charset="-127"/>
+              <a:cs typeface="Pretendard" panose="02000503000000020004" pitchFamily="2" charset="-127"/>
+            </a:endParaRPr>
+          </a:p>
+        </p:txBody>
+      </p:sp>
+      <p:sp>
+        <p:nvSpPr>
+          <p:cNvPr id="89" name="TextBox 88">
+            <a:extLst>
+              <a:ext uri="{FF2B5EF4-FFF2-40B4-BE49-F238E27FC236}">
+                <a16:creationId xmlns:a16="http://schemas.microsoft.com/office/drawing/2014/main" id="{A81363C7-7BE7-9DA5-3064-2409FA5FE75C}"/>
+              </a:ext>
+            </a:extLst>
+          </p:cNvPr>
+          <p:cNvSpPr txBox="1"/>
+          <p:nvPr/>
+        </p:nvSpPr>
+        <p:spPr>
+          <a:xfrm>
+            <a:off x="8293844" y="2196031"/>
+            <a:ext cx="2064773" cy="584775"/>
+          </a:xfrm>
+          <a:prstGeom prst="rect">
+            <a:avLst/>
+          </a:prstGeom>
+          <a:noFill/>
+        </p:spPr>
+        <p:txBody>
+          <a:bodyPr wrap="square" rtlCol="0">
+            <a:spAutoFit/>
+          </a:bodyPr>
+          <a:lstStyle/>
+          <a:p>
+            <a:r>
+              <a:rPr lang="ko-KR" altLang="en-US" sz="1600" dirty="0">
+                <a:latin typeface="Pretendard" panose="02000503000000020004" pitchFamily="2" charset="-127"/>
+                <a:ea typeface="Pretendard" panose="02000503000000020004" pitchFamily="2" charset="-127"/>
+                <a:cs typeface="Pretendard" panose="02000503000000020004" pitchFamily="2" charset="-127"/>
+              </a:rPr>
+              <a:t>고객 피부타입에 따라</a:t>
+            </a:r>
+            <a:br>
+              <a:rPr lang="en-US" altLang="ko-KR" sz="1600" dirty="0">
+                <a:latin typeface="Pretendard" panose="02000503000000020004" pitchFamily="2" charset="-127"/>
+                <a:ea typeface="Pretendard" panose="02000503000000020004" pitchFamily="2" charset="-127"/>
+                <a:cs typeface="Pretendard" panose="02000503000000020004" pitchFamily="2" charset="-127"/>
+              </a:rPr>
+            </a:br>
+            <a:r>
+              <a:rPr lang="ko-KR" altLang="en-US" sz="1600" dirty="0">
+                <a:latin typeface="Pretendard" panose="02000503000000020004" pitchFamily="2" charset="-127"/>
+                <a:ea typeface="Pretendard" panose="02000503000000020004" pitchFamily="2" charset="-127"/>
+                <a:cs typeface="Pretendard" panose="02000503000000020004" pitchFamily="2" charset="-127"/>
+              </a:rPr>
+              <a:t>만족</a:t>
+            </a:r>
+            <a:r>
+              <a:rPr lang="en-US" altLang="ko-KR" sz="1600" dirty="0">
+                <a:latin typeface="Pretendard" panose="02000503000000020004" pitchFamily="2" charset="-127"/>
+                <a:ea typeface="Pretendard" panose="02000503000000020004" pitchFamily="2" charset="-127"/>
+                <a:cs typeface="Pretendard" panose="02000503000000020004" pitchFamily="2" charset="-127"/>
+              </a:rPr>
+              <a:t>/</a:t>
+            </a:r>
+            <a:r>
+              <a:rPr lang="ko-KR" altLang="en-US" sz="1600" dirty="0">
+                <a:latin typeface="Pretendard" panose="02000503000000020004" pitchFamily="2" charset="-127"/>
+                <a:ea typeface="Pretendard" panose="02000503000000020004" pitchFamily="2" charset="-127"/>
+                <a:cs typeface="Pretendard" panose="02000503000000020004" pitchFamily="2" charset="-127"/>
+              </a:rPr>
+              <a:t>불만족 요인 분류</a:t>
+            </a:r>
+            <a:endParaRPr lang="en-US" altLang="ko-KR" sz="1600" dirty="0">
+              <a:latin typeface="Pretendard" panose="02000503000000020004" pitchFamily="2" charset="-127"/>
+              <a:ea typeface="Pretendard" panose="02000503000000020004" pitchFamily="2" charset="-127"/>
+              <a:cs typeface="Pretendard" panose="02000503000000020004" pitchFamily="2" charset="-127"/>
+            </a:endParaRPr>
+          </a:p>
+        </p:txBody>
+      </p:sp>
+      <p:sp>
+        <p:nvSpPr>
+          <p:cNvPr id="90" name="TextBox 89">
+            <a:extLst>
+              <a:ext uri="{FF2B5EF4-FFF2-40B4-BE49-F238E27FC236}">
+                <a16:creationId xmlns:a16="http://schemas.microsoft.com/office/drawing/2014/main" id="{4F7B8D9E-2F5E-FC67-D6D1-5CB1672EE124}"/>
+              </a:ext>
+            </a:extLst>
+          </p:cNvPr>
+          <p:cNvSpPr txBox="1"/>
+          <p:nvPr/>
+        </p:nvSpPr>
+        <p:spPr>
+          <a:xfrm>
+            <a:off x="10233045" y="2196031"/>
+            <a:ext cx="2064773" cy="830997"/>
+          </a:xfrm>
+          <a:prstGeom prst="rect">
+            <a:avLst/>
+          </a:prstGeom>
+          <a:noFill/>
+        </p:spPr>
+        <p:txBody>
+          <a:bodyPr wrap="square" rtlCol="0">
+            <a:spAutoFit/>
+          </a:bodyPr>
+          <a:lstStyle/>
+          <a:p>
+            <a:r>
+              <a:rPr lang="ko-KR" altLang="en-US" sz="1600" dirty="0">
+                <a:latin typeface="Pretendard" panose="02000503000000020004" pitchFamily="2" charset="-127"/>
+                <a:ea typeface="Pretendard" panose="02000503000000020004" pitchFamily="2" charset="-127"/>
+                <a:cs typeface="Pretendard" panose="02000503000000020004" pitchFamily="2" charset="-127"/>
+              </a:rPr>
+              <a:t>만족</a:t>
+            </a:r>
+            <a:r>
+              <a:rPr lang="en-US" altLang="ko-KR" sz="1600" dirty="0">
+                <a:latin typeface="Pretendard" panose="02000503000000020004" pitchFamily="2" charset="-127"/>
+                <a:ea typeface="Pretendard" panose="02000503000000020004" pitchFamily="2" charset="-127"/>
+                <a:cs typeface="Pretendard" panose="02000503000000020004" pitchFamily="2" charset="-127"/>
+              </a:rPr>
+              <a:t>/</a:t>
+            </a:r>
+            <a:r>
+              <a:rPr lang="ko-KR" altLang="en-US" sz="1600" dirty="0">
+                <a:latin typeface="Pretendard" panose="02000503000000020004" pitchFamily="2" charset="-127"/>
+                <a:ea typeface="Pretendard" panose="02000503000000020004" pitchFamily="2" charset="-127"/>
+                <a:cs typeface="Pretendard" panose="02000503000000020004" pitchFamily="2" charset="-127"/>
+              </a:rPr>
+              <a:t>불만족 요인과</a:t>
+            </a:r>
+            <a:br>
+              <a:rPr lang="en-US" altLang="ko-KR" sz="1600" dirty="0">
+                <a:latin typeface="Pretendard" panose="02000503000000020004" pitchFamily="2" charset="-127"/>
+                <a:ea typeface="Pretendard" panose="02000503000000020004" pitchFamily="2" charset="-127"/>
+                <a:cs typeface="Pretendard" panose="02000503000000020004" pitchFamily="2" charset="-127"/>
+              </a:rPr>
+            </a:br>
+            <a:r>
+              <a:rPr lang="ko-KR" altLang="en-US" sz="1600" dirty="0">
+                <a:latin typeface="Pretendard" panose="02000503000000020004" pitchFamily="2" charset="-127"/>
+                <a:ea typeface="Pretendard" panose="02000503000000020004" pitchFamily="2" charset="-127"/>
+                <a:cs typeface="Pretendard" panose="02000503000000020004" pitchFamily="2" charset="-127"/>
+              </a:rPr>
+              <a:t>피부타입 간의 </a:t>
+            </a:r>
+            <a:br>
+              <a:rPr lang="en-US" altLang="ko-KR" sz="1600" dirty="0">
+                <a:latin typeface="Pretendard" panose="02000503000000020004" pitchFamily="2" charset="-127"/>
+                <a:ea typeface="Pretendard" panose="02000503000000020004" pitchFamily="2" charset="-127"/>
+                <a:cs typeface="Pretendard" panose="02000503000000020004" pitchFamily="2" charset="-127"/>
+              </a:rPr>
+            </a:br>
+            <a:r>
+              <a:rPr lang="ko-KR" altLang="en-US" sz="1600" dirty="0">
+                <a:latin typeface="Pretendard" panose="02000503000000020004" pitchFamily="2" charset="-127"/>
+                <a:ea typeface="Pretendard" panose="02000503000000020004" pitchFamily="2" charset="-127"/>
+                <a:cs typeface="Pretendard" panose="02000503000000020004" pitchFamily="2" charset="-127"/>
+              </a:rPr>
+              <a:t>연관성 파악</a:t>
+            </a:r>
+            <a:endParaRPr lang="en-US" altLang="ko-KR" sz="1600" dirty="0">
+              <a:latin typeface="Pretendard" panose="02000503000000020004" pitchFamily="2" charset="-127"/>
+              <a:ea typeface="Pretendard" panose="02000503000000020004" pitchFamily="2" charset="-127"/>
+              <a:cs typeface="Pretendard" panose="02000503000000020004" pitchFamily="2" charset="-127"/>
+            </a:endParaRPr>
+          </a:p>
+        </p:txBody>
+      </p:sp>
+      <p:sp>
+        <p:nvSpPr>
+          <p:cNvPr id="91" name="TextBox 90">
+            <a:extLst>
+              <a:ext uri="{FF2B5EF4-FFF2-40B4-BE49-F238E27FC236}">
+                <a16:creationId xmlns:a16="http://schemas.microsoft.com/office/drawing/2014/main" id="{A647EE64-9A3C-B5DA-B21C-C02918E29F39}"/>
+              </a:ext>
+            </a:extLst>
+          </p:cNvPr>
+          <p:cNvSpPr txBox="1"/>
+          <p:nvPr/>
+        </p:nvSpPr>
+        <p:spPr>
+          <a:xfrm>
+            <a:off x="10233045" y="3071881"/>
+            <a:ext cx="2064773" cy="830997"/>
+          </a:xfrm>
+          <a:prstGeom prst="rect">
+            <a:avLst/>
+          </a:prstGeom>
+          <a:noFill/>
+        </p:spPr>
+        <p:txBody>
+          <a:bodyPr wrap="square" rtlCol="0">
+            <a:spAutoFit/>
+          </a:bodyPr>
+          <a:lstStyle/>
+          <a:p>
+            <a:r>
+              <a:rPr lang="ko-KR" altLang="en-US" sz="1600" dirty="0">
+                <a:latin typeface="Pretendard" panose="02000503000000020004" pitchFamily="2" charset="-127"/>
+                <a:ea typeface="Pretendard" panose="02000503000000020004" pitchFamily="2" charset="-127"/>
+                <a:cs typeface="Pretendard" panose="02000503000000020004" pitchFamily="2" charset="-127"/>
+              </a:rPr>
+              <a:t>피부타입에 따른</a:t>
+            </a:r>
+            <a:br>
+              <a:rPr lang="en-US" altLang="ko-KR" sz="1600" dirty="0">
+                <a:latin typeface="Pretendard" panose="02000503000000020004" pitchFamily="2" charset="-127"/>
+                <a:ea typeface="Pretendard" panose="02000503000000020004" pitchFamily="2" charset="-127"/>
+                <a:cs typeface="Pretendard" panose="02000503000000020004" pitchFamily="2" charset="-127"/>
+              </a:rPr>
+            </a:br>
+            <a:r>
+              <a:rPr lang="ko-KR" altLang="en-US" sz="1600" dirty="0">
+                <a:latin typeface="Pretendard" panose="02000503000000020004" pitchFamily="2" charset="-127"/>
+                <a:ea typeface="Pretendard" panose="02000503000000020004" pitchFamily="2" charset="-127"/>
+                <a:cs typeface="Pretendard" panose="02000503000000020004" pitchFamily="2" charset="-127"/>
+              </a:rPr>
+              <a:t>만족</a:t>
+            </a:r>
+            <a:r>
+              <a:rPr lang="en-US" altLang="ko-KR" sz="1600" dirty="0">
+                <a:latin typeface="Pretendard" panose="02000503000000020004" pitchFamily="2" charset="-127"/>
+                <a:ea typeface="Pretendard" panose="02000503000000020004" pitchFamily="2" charset="-127"/>
+                <a:cs typeface="Pretendard" panose="02000503000000020004" pitchFamily="2" charset="-127"/>
+              </a:rPr>
+              <a:t>/</a:t>
+            </a:r>
+            <a:r>
+              <a:rPr lang="ko-KR" altLang="en-US" sz="1600" dirty="0">
+                <a:latin typeface="Pretendard" panose="02000503000000020004" pitchFamily="2" charset="-127"/>
+                <a:ea typeface="Pretendard" panose="02000503000000020004" pitchFamily="2" charset="-127"/>
+                <a:cs typeface="Pretendard" panose="02000503000000020004" pitchFamily="2" charset="-127"/>
+              </a:rPr>
+              <a:t>불만족 요인에</a:t>
+            </a:r>
+            <a:br>
+              <a:rPr lang="en-US" altLang="ko-KR" sz="1600" dirty="0">
+                <a:latin typeface="Pretendard" panose="02000503000000020004" pitchFamily="2" charset="-127"/>
+                <a:ea typeface="Pretendard" panose="02000503000000020004" pitchFamily="2" charset="-127"/>
+                <a:cs typeface="Pretendard" panose="02000503000000020004" pitchFamily="2" charset="-127"/>
+              </a:rPr>
+            </a:br>
+            <a:r>
+              <a:rPr lang="ko-KR" altLang="en-US" sz="1600" dirty="0">
+                <a:latin typeface="Pretendard" panose="02000503000000020004" pitchFamily="2" charset="-127"/>
+                <a:ea typeface="Pretendard" panose="02000503000000020004" pitchFamily="2" charset="-127"/>
+                <a:cs typeface="Pretendard" panose="02000503000000020004" pitchFamily="2" charset="-127"/>
+              </a:rPr>
+              <a:t>차이가 있는지 비교</a:t>
+            </a:r>
+            <a:endParaRPr lang="en-US" altLang="ko-KR" sz="1600" dirty="0">
+              <a:latin typeface="Pretendard" panose="02000503000000020004" pitchFamily="2" charset="-127"/>
+              <a:ea typeface="Pretendard" panose="02000503000000020004" pitchFamily="2" charset="-127"/>
+              <a:cs typeface="Pretendard" panose="02000503000000020004" pitchFamily="2" charset="-127"/>
+            </a:endParaRPr>
+          </a:p>
+        </p:txBody>
+      </p:sp>
+      <p:sp>
+        <p:nvSpPr>
+          <p:cNvPr id="98" name="TextBox 97">
+            <a:extLst>
+              <a:ext uri="{FF2B5EF4-FFF2-40B4-BE49-F238E27FC236}">
+                <a16:creationId xmlns:a16="http://schemas.microsoft.com/office/drawing/2014/main" id="{FF5CC193-5B71-2F34-7674-F992278097FA}"/>
+              </a:ext>
+            </a:extLst>
+          </p:cNvPr>
+          <p:cNvSpPr txBox="1"/>
+          <p:nvPr/>
+        </p:nvSpPr>
+        <p:spPr>
+          <a:xfrm>
+            <a:off x="8359797" y="5083467"/>
+            <a:ext cx="2064773" cy="584775"/>
+          </a:xfrm>
+          <a:prstGeom prst="rect">
+            <a:avLst/>
+          </a:prstGeom>
+          <a:noFill/>
+        </p:spPr>
+        <p:txBody>
+          <a:bodyPr wrap="square" rtlCol="0">
+            <a:spAutoFit/>
+          </a:bodyPr>
+          <a:lstStyle/>
+          <a:p>
+            <a:r>
+              <a:rPr lang="ko-KR" altLang="en-US" sz="1600" dirty="0">
+                <a:latin typeface="Pretendard" panose="02000503000000020004" pitchFamily="2" charset="-127"/>
+                <a:ea typeface="Pretendard" panose="02000503000000020004" pitchFamily="2" charset="-127"/>
+                <a:cs typeface="Pretendard" panose="02000503000000020004" pitchFamily="2" charset="-127"/>
+              </a:rPr>
+              <a:t>추후 </a:t>
+            </a:r>
+            <a:r>
+              <a:rPr lang="ko-KR" altLang="en-US" sz="1600" dirty="0" err="1">
+                <a:latin typeface="Pretendard" panose="02000503000000020004" pitchFamily="2" charset="-127"/>
+                <a:ea typeface="Pretendard" panose="02000503000000020004" pitchFamily="2" charset="-127"/>
+                <a:cs typeface="Pretendard" panose="02000503000000020004" pitchFamily="2" charset="-127"/>
+              </a:rPr>
+              <a:t>머신러닝에</a:t>
+            </a:r>
+            <a:r>
+              <a:rPr lang="ko-KR" altLang="en-US" sz="1600" dirty="0">
+                <a:latin typeface="Pretendard" panose="02000503000000020004" pitchFamily="2" charset="-127"/>
+                <a:ea typeface="Pretendard" panose="02000503000000020004" pitchFamily="2" charset="-127"/>
+                <a:cs typeface="Pretendard" panose="02000503000000020004" pitchFamily="2" charset="-127"/>
+              </a:rPr>
+              <a:t> 활용</a:t>
+            </a:r>
+            <a:br>
+              <a:rPr lang="en-US" altLang="ko-KR" sz="1600" dirty="0">
+                <a:latin typeface="Pretendard" panose="02000503000000020004" pitchFamily="2" charset="-127"/>
+                <a:ea typeface="Pretendard" panose="02000503000000020004" pitchFamily="2" charset="-127"/>
+                <a:cs typeface="Pretendard" panose="02000503000000020004" pitchFamily="2" charset="-127"/>
+              </a:rPr>
+            </a:br>
+            <a:r>
+              <a:rPr lang="en-US" altLang="ko-KR" sz="1600" dirty="0">
+                <a:latin typeface="Pretendard" panose="02000503000000020004" pitchFamily="2" charset="-127"/>
+                <a:ea typeface="Pretendard" panose="02000503000000020004" pitchFamily="2" charset="-127"/>
+                <a:cs typeface="Pretendard" panose="02000503000000020004" pitchFamily="2" charset="-127"/>
+              </a:rPr>
+              <a:t>(</a:t>
+            </a:r>
+            <a:r>
+              <a:rPr lang="ko-KR" altLang="en-US" sz="1600" dirty="0">
+                <a:latin typeface="Pretendard" panose="02000503000000020004" pitchFamily="2" charset="-127"/>
+                <a:ea typeface="Pretendard" panose="02000503000000020004" pitchFamily="2" charset="-127"/>
+                <a:cs typeface="Pretendard" panose="02000503000000020004" pitchFamily="2" charset="-127"/>
+              </a:rPr>
+              <a:t>미정</a:t>
+            </a:r>
+            <a:r>
+              <a:rPr lang="en-US" altLang="ko-KR" sz="1600" dirty="0">
+                <a:latin typeface="Pretendard" panose="02000503000000020004" pitchFamily="2" charset="-127"/>
+                <a:ea typeface="Pretendard" panose="02000503000000020004" pitchFamily="2" charset="-127"/>
+                <a:cs typeface="Pretendard" panose="02000503000000020004" pitchFamily="2" charset="-127"/>
+              </a:rPr>
+              <a:t>)</a:t>
+            </a:r>
+          </a:p>
+        </p:txBody>
+      </p:sp>
+      <p:sp>
+        <p:nvSpPr>
+          <p:cNvPr id="99" name="TextBox 98">
+            <a:extLst>
+              <a:ext uri="{FF2B5EF4-FFF2-40B4-BE49-F238E27FC236}">
+                <a16:creationId xmlns:a16="http://schemas.microsoft.com/office/drawing/2014/main" id="{15E1D308-E8D9-3553-5EC9-568D8FF98BE4}"/>
+              </a:ext>
+            </a:extLst>
+          </p:cNvPr>
+          <p:cNvSpPr txBox="1"/>
+          <p:nvPr/>
+        </p:nvSpPr>
+        <p:spPr>
+          <a:xfrm>
+            <a:off x="2086356" y="3635378"/>
+            <a:ext cx="2064773" cy="584775"/>
+          </a:xfrm>
+          <a:prstGeom prst="rect">
+            <a:avLst/>
+          </a:prstGeom>
+          <a:noFill/>
+        </p:spPr>
+        <p:txBody>
+          <a:bodyPr wrap="square" rtlCol="0">
+            <a:spAutoFit/>
+          </a:bodyPr>
+          <a:lstStyle/>
+          <a:p>
+            <a:r>
+              <a:rPr lang="ko-KR" altLang="en-US" sz="1600" dirty="0">
+                <a:latin typeface="Pretendard" panose="02000503000000020004" pitchFamily="2" charset="-127"/>
+                <a:ea typeface="Pretendard" panose="02000503000000020004" pitchFamily="2" charset="-127"/>
+                <a:cs typeface="Pretendard" panose="02000503000000020004" pitchFamily="2" charset="-127"/>
+              </a:rPr>
+              <a:t>데이터 성격 및</a:t>
+            </a:r>
+            <a:br>
+              <a:rPr lang="en-US" altLang="ko-KR" sz="1600" dirty="0">
+                <a:latin typeface="Pretendard" panose="02000503000000020004" pitchFamily="2" charset="-127"/>
+                <a:ea typeface="Pretendard" panose="02000503000000020004" pitchFamily="2" charset="-127"/>
+                <a:cs typeface="Pretendard" panose="02000503000000020004" pitchFamily="2" charset="-127"/>
+              </a:rPr>
+            </a:br>
+            <a:r>
+              <a:rPr lang="ko-KR" altLang="en-US" sz="1600" dirty="0">
+                <a:latin typeface="Pretendard" panose="02000503000000020004" pitchFamily="2" charset="-127"/>
+                <a:ea typeface="Pretendard" panose="02000503000000020004" pitchFamily="2" charset="-127"/>
+                <a:cs typeface="Pretendard" panose="02000503000000020004" pitchFamily="2" charset="-127"/>
+              </a:rPr>
+              <a:t>분포 파악</a:t>
+            </a:r>
+            <a:endParaRPr lang="en-US" altLang="ko-KR" sz="1600" dirty="0">
+              <a:latin typeface="Pretendard" panose="02000503000000020004" pitchFamily="2" charset="-127"/>
+              <a:ea typeface="Pretendard" panose="02000503000000020004" pitchFamily="2" charset="-127"/>
+              <a:cs typeface="Pretendard" panose="02000503000000020004" pitchFamily="2" charset="-127"/>
+            </a:endParaRPr>
+          </a:p>
+        </p:txBody>
+      </p:sp>
+      <p:sp>
+        <p:nvSpPr>
+          <p:cNvPr id="100" name="TextBox 99">
+            <a:extLst>
+              <a:ext uri="{FF2B5EF4-FFF2-40B4-BE49-F238E27FC236}">
+                <a16:creationId xmlns:a16="http://schemas.microsoft.com/office/drawing/2014/main" id="{28A015F8-ADB9-7AFC-0F72-35F181C61193}"/>
+              </a:ext>
+            </a:extLst>
+          </p:cNvPr>
+          <p:cNvSpPr txBox="1"/>
+          <p:nvPr/>
+        </p:nvSpPr>
+        <p:spPr>
+          <a:xfrm>
+            <a:off x="2086356" y="4274375"/>
+            <a:ext cx="2064773" cy="830997"/>
+          </a:xfrm>
+          <a:prstGeom prst="rect">
+            <a:avLst/>
+          </a:prstGeom>
+          <a:noFill/>
+        </p:spPr>
+        <p:txBody>
+          <a:bodyPr wrap="square" rtlCol="0">
+            <a:spAutoFit/>
+          </a:bodyPr>
+          <a:lstStyle/>
+          <a:p>
+            <a:r>
+              <a:rPr lang="ko-KR" altLang="en-US" sz="1600" dirty="0">
+                <a:latin typeface="Pretendard" panose="02000503000000020004" pitchFamily="2" charset="-127"/>
+                <a:ea typeface="Pretendard" panose="02000503000000020004" pitchFamily="2" charset="-127"/>
+                <a:cs typeface="Pretendard" panose="02000503000000020004" pitchFamily="2" charset="-127"/>
+              </a:rPr>
+              <a:t>피부타입이 누락된</a:t>
+            </a:r>
+            <a:br>
+              <a:rPr lang="en-US" altLang="ko-KR" sz="1600" dirty="0">
+                <a:latin typeface="Pretendard" panose="02000503000000020004" pitchFamily="2" charset="-127"/>
+                <a:ea typeface="Pretendard" panose="02000503000000020004" pitchFamily="2" charset="-127"/>
+                <a:cs typeface="Pretendard" panose="02000503000000020004" pitchFamily="2" charset="-127"/>
+              </a:rPr>
+            </a:br>
+            <a:r>
+              <a:rPr lang="ko-KR" altLang="en-US" sz="1600" dirty="0">
+                <a:latin typeface="Pretendard" panose="02000503000000020004" pitchFamily="2" charset="-127"/>
+                <a:ea typeface="Pretendard" panose="02000503000000020004" pitchFamily="2" charset="-127"/>
+                <a:cs typeface="Pretendard" panose="02000503000000020004" pitchFamily="2" charset="-127"/>
+              </a:rPr>
+              <a:t>레코드 제거 등</a:t>
+            </a:r>
+            <a:br>
+              <a:rPr lang="en-US" altLang="ko-KR" sz="1600" dirty="0">
+                <a:latin typeface="Pretendard" panose="02000503000000020004" pitchFamily="2" charset="-127"/>
+                <a:ea typeface="Pretendard" panose="02000503000000020004" pitchFamily="2" charset="-127"/>
+                <a:cs typeface="Pretendard" panose="02000503000000020004" pitchFamily="2" charset="-127"/>
+              </a:rPr>
+            </a:br>
+            <a:r>
+              <a:rPr lang="ko-KR" altLang="en-US" sz="1600" dirty="0">
+                <a:latin typeface="Pretendard" panose="02000503000000020004" pitchFamily="2" charset="-127"/>
+                <a:ea typeface="Pretendard" panose="02000503000000020004" pitchFamily="2" charset="-127"/>
+                <a:cs typeface="Pretendard" panose="02000503000000020004" pitchFamily="2" charset="-127"/>
+              </a:rPr>
+              <a:t>데이터 정제</a:t>
+            </a:r>
+            <a:endParaRPr lang="en-US" altLang="ko-KR" sz="1600" dirty="0">
+              <a:latin typeface="Pretendard" panose="02000503000000020004" pitchFamily="2" charset="-127"/>
+              <a:ea typeface="Pretendard" panose="02000503000000020004" pitchFamily="2" charset="-127"/>
+              <a:cs typeface="Pretendard" panose="02000503000000020004" pitchFamily="2" charset="-127"/>
+            </a:endParaRPr>
+          </a:p>
+        </p:txBody>
+      </p:sp>
+      <p:sp>
+        <p:nvSpPr>
+          <p:cNvPr id="118" name="TextBox 117">
+            <a:extLst>
+              <a:ext uri="{FF2B5EF4-FFF2-40B4-BE49-F238E27FC236}">
+                <a16:creationId xmlns:a16="http://schemas.microsoft.com/office/drawing/2014/main" id="{9EC2A354-A383-9577-1F4C-C9A3CD28368F}"/>
+              </a:ext>
+            </a:extLst>
+          </p:cNvPr>
+          <p:cNvSpPr txBox="1"/>
+          <p:nvPr/>
+        </p:nvSpPr>
+        <p:spPr>
+          <a:xfrm>
+            <a:off x="4051527" y="3635378"/>
+            <a:ext cx="2064773" cy="338554"/>
+          </a:xfrm>
+          <a:prstGeom prst="rect">
+            <a:avLst/>
+          </a:prstGeom>
+          <a:noFill/>
+        </p:spPr>
+        <p:txBody>
+          <a:bodyPr wrap="square" rtlCol="0">
+            <a:spAutoFit/>
+          </a:bodyPr>
+          <a:lstStyle/>
+          <a:p>
+            <a:r>
+              <a:rPr lang="ko-KR" altLang="en-US" sz="1600" dirty="0" err="1">
+                <a:latin typeface="Pretendard" panose="02000503000000020004" pitchFamily="2" charset="-127"/>
+                <a:ea typeface="Pretendard" panose="02000503000000020004" pitchFamily="2" charset="-127"/>
+                <a:cs typeface="Pretendard" panose="02000503000000020004" pitchFamily="2" charset="-127"/>
+              </a:rPr>
+              <a:t>전처리</a:t>
+            </a:r>
+            <a:r>
+              <a:rPr lang="ko-KR" altLang="en-US" sz="1600" dirty="0">
+                <a:latin typeface="Pretendard" panose="02000503000000020004" pitchFamily="2" charset="-127"/>
+                <a:ea typeface="Pretendard" panose="02000503000000020004" pitchFamily="2" charset="-127"/>
+                <a:cs typeface="Pretendard" panose="02000503000000020004" pitchFamily="2" charset="-127"/>
+              </a:rPr>
+              <a:t> 및 토큰화</a:t>
+            </a:r>
+            <a:endParaRPr lang="en-US" altLang="ko-KR" sz="1600" dirty="0">
+              <a:latin typeface="Pretendard" panose="02000503000000020004" pitchFamily="2" charset="-127"/>
+              <a:ea typeface="Pretendard" panose="02000503000000020004" pitchFamily="2" charset="-127"/>
+              <a:cs typeface="Pretendard" panose="02000503000000020004" pitchFamily="2" charset="-127"/>
+            </a:endParaRPr>
+          </a:p>
+        </p:txBody>
+      </p:sp>
+      <p:sp>
+        <p:nvSpPr>
+          <p:cNvPr id="2" name="사각형: 둥근 모서리 1">
+            <a:extLst>
+              <a:ext uri="{FF2B5EF4-FFF2-40B4-BE49-F238E27FC236}">
+                <a16:creationId xmlns:a16="http://schemas.microsoft.com/office/drawing/2014/main" id="{63339572-717D-3917-F8E8-094F13E6A5EC}"/>
+              </a:ext>
+            </a:extLst>
+          </p:cNvPr>
+          <p:cNvSpPr/>
+          <p:nvPr/>
+        </p:nvSpPr>
+        <p:spPr>
+          <a:xfrm>
+            <a:off x="207432" y="3022731"/>
+            <a:ext cx="1668773" cy="487859"/>
+          </a:xfrm>
+          <a:prstGeom prst="roundRect">
+            <a:avLst/>
+          </a:prstGeom>
+          <a:solidFill>
+            <a:schemeClr val="bg1"/>
+          </a:solidFill>
+          <a:ln w="19050"/>
+        </p:spPr>
+        <p:style>
+          <a:lnRef idx="2">
+            <a:schemeClr val="accent1">
+              <a:shade val="15000"/>
+            </a:schemeClr>
+          </a:lnRef>
+          <a:fillRef idx="1">
+            <a:schemeClr val="accent1"/>
+          </a:fillRef>
+          <a:effectRef idx="0">
+            <a:schemeClr val="accent1"/>
+          </a:effectRef>
+          <a:fontRef idx="minor">
+            <a:schemeClr val="lt1"/>
+          </a:fontRef>
+        </p:style>
+        <p:txBody>
+          <a:bodyPr rtlCol="0" anchor="ctr"/>
+          <a:lstStyle/>
+          <a:p>
+            <a:pPr algn="ctr"/>
+            <a:r>
+              <a:rPr lang="ko-KR" altLang="en-US" dirty="0">
+                <a:solidFill>
+                  <a:schemeClr val="tx1"/>
+                </a:solidFill>
+                <a:latin typeface="Pretendard SemiBold" panose="02000703000000020004" pitchFamily="2" charset="-127"/>
+                <a:ea typeface="Pretendard SemiBold" panose="02000703000000020004" pitchFamily="2" charset="-127"/>
+                <a:cs typeface="Pretendard SemiBold" panose="02000703000000020004" pitchFamily="2" charset="-127"/>
+              </a:rPr>
+              <a:t>데이터 수집</a:t>
+            </a:r>
+          </a:p>
+        </p:txBody>
+      </p:sp>
+      <p:sp>
+        <p:nvSpPr>
+          <p:cNvPr id="12" name="사각형: 둥근 모서리 11">
+            <a:extLst>
+              <a:ext uri="{FF2B5EF4-FFF2-40B4-BE49-F238E27FC236}">
+                <a16:creationId xmlns:a16="http://schemas.microsoft.com/office/drawing/2014/main" id="{169505F7-8DE8-A174-D5DF-9D670855388A}"/>
+              </a:ext>
+            </a:extLst>
+          </p:cNvPr>
+          <p:cNvSpPr/>
+          <p:nvPr/>
+        </p:nvSpPr>
+        <p:spPr>
+          <a:xfrm>
+            <a:off x="2156611" y="3022731"/>
+            <a:ext cx="1668773" cy="487859"/>
+          </a:xfrm>
+          <a:prstGeom prst="roundRect">
+            <a:avLst/>
+          </a:prstGeom>
+          <a:solidFill>
+            <a:schemeClr val="bg1"/>
+          </a:solidFill>
+          <a:ln w="19050">
+            <a:solidFill>
+              <a:schemeClr val="tx1"/>
+            </a:solidFill>
+          </a:ln>
+        </p:spPr>
+        <p:style>
+          <a:lnRef idx="2">
+            <a:schemeClr val="accent1">
+              <a:shade val="15000"/>
+            </a:schemeClr>
+          </a:lnRef>
+          <a:fillRef idx="1">
+            <a:schemeClr val="accent1"/>
+          </a:fillRef>
+          <a:effectRef idx="0">
+            <a:schemeClr val="accent1"/>
+          </a:effectRef>
+          <a:fontRef idx="minor">
+            <a:schemeClr val="lt1"/>
+          </a:fontRef>
+        </p:style>
+        <p:txBody>
+          <a:bodyPr rtlCol="0" anchor="ctr"/>
+          <a:lstStyle/>
+          <a:p>
+            <a:pPr algn="ctr"/>
+            <a:r>
+              <a:rPr lang="en-US" altLang="ko-KR" dirty="0">
+                <a:solidFill>
+                  <a:sysClr val="windowText" lastClr="000000"/>
+                </a:solidFill>
+                <a:latin typeface="Pretendard SemiBold" panose="02000703000000020004" pitchFamily="2" charset="-127"/>
+                <a:ea typeface="Pretendard SemiBold" panose="02000703000000020004" pitchFamily="2" charset="-127"/>
+                <a:cs typeface="Pretendard SemiBold" panose="02000703000000020004" pitchFamily="2" charset="-127"/>
+              </a:rPr>
+              <a:t>EDA</a:t>
+            </a:r>
+            <a:endParaRPr lang="ko-KR" altLang="en-US" dirty="0">
+              <a:solidFill>
+                <a:sysClr val="windowText" lastClr="000000"/>
+              </a:solidFill>
+              <a:latin typeface="Pretendard SemiBold" panose="02000703000000020004" pitchFamily="2" charset="-127"/>
+              <a:ea typeface="Pretendard SemiBold" panose="02000703000000020004" pitchFamily="2" charset="-127"/>
+              <a:cs typeface="Pretendard SemiBold" panose="02000703000000020004" pitchFamily="2" charset="-127"/>
+            </a:endParaRPr>
+          </a:p>
+        </p:txBody>
+      </p:sp>
+      <p:sp>
+        <p:nvSpPr>
+          <p:cNvPr id="13" name="사각형: 둥근 모서리 12">
+            <a:extLst>
+              <a:ext uri="{FF2B5EF4-FFF2-40B4-BE49-F238E27FC236}">
+                <a16:creationId xmlns:a16="http://schemas.microsoft.com/office/drawing/2014/main" id="{71879C3C-C6DE-389B-D0B1-3A38D869669E}"/>
+              </a:ext>
+            </a:extLst>
+          </p:cNvPr>
+          <p:cNvSpPr/>
+          <p:nvPr/>
+        </p:nvSpPr>
+        <p:spPr>
+          <a:xfrm>
+            <a:off x="4159389" y="3022731"/>
+            <a:ext cx="1668773" cy="487859"/>
+          </a:xfrm>
+          <a:prstGeom prst="roundRect">
+            <a:avLst/>
+          </a:prstGeom>
+          <a:solidFill>
+            <a:srgbClr val="FF0000"/>
+          </a:solidFill>
+          <a:ln w="28575">
+            <a:solidFill>
+              <a:srgbClr val="C00000"/>
+            </a:solidFill>
+          </a:ln>
+        </p:spPr>
+        <p:style>
+          <a:lnRef idx="2">
+            <a:schemeClr val="accent1">
+              <a:shade val="15000"/>
+            </a:schemeClr>
+          </a:lnRef>
+          <a:fillRef idx="1">
+            <a:schemeClr val="accent1"/>
+          </a:fillRef>
+          <a:effectRef idx="0">
+            <a:schemeClr val="accent1"/>
+          </a:effectRef>
+          <a:fontRef idx="minor">
+            <a:schemeClr val="lt1"/>
+          </a:fontRef>
+        </p:style>
+        <p:txBody>
+          <a:bodyPr rtlCol="0" anchor="ctr"/>
+          <a:lstStyle/>
+          <a:p>
+            <a:pPr algn="ctr"/>
+            <a:r>
+              <a:rPr lang="en-US" altLang="ko-KR" dirty="0">
+                <a:solidFill>
+                  <a:schemeClr val="bg1"/>
+                </a:solidFill>
+                <a:latin typeface="Pretendard Black" panose="02000A03000000020004" pitchFamily="2" charset="-127"/>
+                <a:ea typeface="Pretendard Black" panose="02000A03000000020004" pitchFamily="2" charset="-127"/>
+                <a:cs typeface="Pretendard Black" panose="02000A03000000020004" pitchFamily="2" charset="-127"/>
+              </a:rPr>
+              <a:t>NLP </a:t>
+            </a:r>
+            <a:r>
+              <a:rPr lang="ko-KR" altLang="en-US" dirty="0" err="1">
+                <a:solidFill>
+                  <a:schemeClr val="bg1"/>
+                </a:solidFill>
+                <a:latin typeface="Pretendard Black" panose="02000A03000000020004" pitchFamily="2" charset="-127"/>
+                <a:ea typeface="Pretendard Black" panose="02000A03000000020004" pitchFamily="2" charset="-127"/>
+                <a:cs typeface="Pretendard Black" panose="02000A03000000020004" pitchFamily="2" charset="-127"/>
+              </a:rPr>
+              <a:t>전처리</a:t>
+            </a:r>
+            <a:endParaRPr lang="ko-KR" altLang="en-US" dirty="0">
+              <a:solidFill>
+                <a:schemeClr val="bg1"/>
+              </a:solidFill>
+              <a:latin typeface="Pretendard Black" panose="02000A03000000020004" pitchFamily="2" charset="-127"/>
+              <a:ea typeface="Pretendard Black" panose="02000A03000000020004" pitchFamily="2" charset="-127"/>
+              <a:cs typeface="Pretendard Black" panose="02000A03000000020004" pitchFamily="2" charset="-127"/>
+            </a:endParaRPr>
+          </a:p>
+        </p:txBody>
+      </p:sp>
+      <p:sp>
+        <p:nvSpPr>
+          <p:cNvPr id="14" name="사각형: 둥근 모서리 13">
+            <a:extLst>
+              <a:ext uri="{FF2B5EF4-FFF2-40B4-BE49-F238E27FC236}">
+                <a16:creationId xmlns:a16="http://schemas.microsoft.com/office/drawing/2014/main" id="{55A1B458-A65D-1343-537B-B339ABD691B1}"/>
+              </a:ext>
+            </a:extLst>
+          </p:cNvPr>
+          <p:cNvSpPr/>
+          <p:nvPr/>
+        </p:nvSpPr>
+        <p:spPr>
+          <a:xfrm>
+            <a:off x="6488941" y="1518949"/>
+            <a:ext cx="1668773" cy="487859"/>
+          </a:xfrm>
+          <a:prstGeom prst="roundRect">
+            <a:avLst/>
+          </a:prstGeom>
+          <a:solidFill>
+            <a:schemeClr val="bg1"/>
+          </a:solidFill>
+          <a:ln w="19050"/>
+        </p:spPr>
+        <p:style>
+          <a:lnRef idx="2">
+            <a:schemeClr val="accent1">
+              <a:shade val="15000"/>
+            </a:schemeClr>
+          </a:lnRef>
+          <a:fillRef idx="1">
+            <a:schemeClr val="accent1"/>
+          </a:fillRef>
+          <a:effectRef idx="0">
+            <a:schemeClr val="accent1"/>
+          </a:effectRef>
+          <a:fontRef idx="minor">
+            <a:schemeClr val="lt1"/>
+          </a:fontRef>
+        </p:style>
+        <p:txBody>
+          <a:bodyPr rtlCol="0" anchor="ctr"/>
+          <a:lstStyle/>
+          <a:p>
+            <a:pPr algn="ctr"/>
+            <a:r>
+              <a:rPr lang="ko-KR" altLang="en-US" dirty="0">
+                <a:solidFill>
+                  <a:schemeClr val="tx1"/>
+                </a:solidFill>
+                <a:latin typeface="Pretendard SemiBold" panose="02000703000000020004" pitchFamily="2" charset="-127"/>
+                <a:ea typeface="Pretendard SemiBold" panose="02000703000000020004" pitchFamily="2" charset="-127"/>
+                <a:cs typeface="Pretendard SemiBold" panose="02000703000000020004" pitchFamily="2" charset="-127"/>
+              </a:rPr>
+              <a:t>토픽모델링</a:t>
+            </a:r>
+          </a:p>
+        </p:txBody>
+      </p:sp>
+      <p:sp>
+        <p:nvSpPr>
+          <p:cNvPr id="17" name="사각형: 둥근 모서리 16">
+            <a:extLst>
+              <a:ext uri="{FF2B5EF4-FFF2-40B4-BE49-F238E27FC236}">
+                <a16:creationId xmlns:a16="http://schemas.microsoft.com/office/drawing/2014/main" id="{59E02EFB-64E9-6850-61C3-703842109AF0}"/>
+              </a:ext>
+            </a:extLst>
+          </p:cNvPr>
+          <p:cNvSpPr/>
+          <p:nvPr/>
+        </p:nvSpPr>
+        <p:spPr>
+          <a:xfrm>
+            <a:off x="8429975" y="1431253"/>
+            <a:ext cx="1668773" cy="665240"/>
+          </a:xfrm>
+          <a:prstGeom prst="roundRect">
+            <a:avLst/>
+          </a:prstGeom>
+          <a:solidFill>
+            <a:schemeClr val="bg1"/>
+          </a:solidFill>
+          <a:ln w="19050"/>
+        </p:spPr>
+        <p:style>
+          <a:lnRef idx="2">
+            <a:schemeClr val="accent1">
+              <a:shade val="15000"/>
+            </a:schemeClr>
+          </a:lnRef>
+          <a:fillRef idx="1">
+            <a:schemeClr val="accent1"/>
+          </a:fillRef>
+          <a:effectRef idx="0">
+            <a:schemeClr val="accent1"/>
+          </a:effectRef>
+          <a:fontRef idx="minor">
+            <a:schemeClr val="lt1"/>
+          </a:fontRef>
+        </p:style>
+        <p:txBody>
+          <a:bodyPr rtlCol="0" anchor="ctr"/>
+          <a:lstStyle/>
+          <a:p>
+            <a:pPr algn="ctr"/>
+            <a:r>
+              <a:rPr lang="ko-KR" altLang="en-US" dirty="0">
+                <a:solidFill>
+                  <a:schemeClr val="tx1"/>
+                </a:solidFill>
+                <a:latin typeface="Pretendard SemiBold" panose="02000703000000020004" pitchFamily="2" charset="-127"/>
+                <a:ea typeface="Pretendard SemiBold" panose="02000703000000020004" pitchFamily="2" charset="-127"/>
+                <a:cs typeface="Pretendard SemiBold" panose="02000703000000020004" pitchFamily="2" charset="-127"/>
+              </a:rPr>
+              <a:t>피부타입별</a:t>
+            </a:r>
+            <a:br>
+              <a:rPr lang="en-US" altLang="ko-KR" dirty="0">
+                <a:solidFill>
+                  <a:schemeClr val="tx1"/>
+                </a:solidFill>
+                <a:latin typeface="Pretendard SemiBold" panose="02000703000000020004" pitchFamily="2" charset="-127"/>
+                <a:ea typeface="Pretendard SemiBold" panose="02000703000000020004" pitchFamily="2" charset="-127"/>
+                <a:cs typeface="Pretendard SemiBold" panose="02000703000000020004" pitchFamily="2" charset="-127"/>
+              </a:rPr>
+            </a:br>
+            <a:r>
+              <a:rPr lang="ko-KR" altLang="en-US" dirty="0">
+                <a:solidFill>
+                  <a:schemeClr val="tx1"/>
+                </a:solidFill>
+                <a:latin typeface="Pretendard SemiBold" panose="02000703000000020004" pitchFamily="2" charset="-127"/>
+                <a:ea typeface="Pretendard SemiBold" panose="02000703000000020004" pitchFamily="2" charset="-127"/>
+                <a:cs typeface="Pretendard SemiBold" panose="02000703000000020004" pitchFamily="2" charset="-127"/>
+              </a:rPr>
+              <a:t>분류</a:t>
+            </a:r>
+          </a:p>
+        </p:txBody>
+      </p:sp>
+      <p:sp>
+        <p:nvSpPr>
+          <p:cNvPr id="18" name="사각형: 둥근 모서리 17">
+            <a:extLst>
+              <a:ext uri="{FF2B5EF4-FFF2-40B4-BE49-F238E27FC236}">
+                <a16:creationId xmlns:a16="http://schemas.microsoft.com/office/drawing/2014/main" id="{CA7B46F2-280A-B3A7-134E-6943116696A1}"/>
+              </a:ext>
+            </a:extLst>
+          </p:cNvPr>
+          <p:cNvSpPr/>
+          <p:nvPr/>
+        </p:nvSpPr>
+        <p:spPr>
+          <a:xfrm>
+            <a:off x="10325103" y="1431253"/>
+            <a:ext cx="1668773" cy="665240"/>
+          </a:xfrm>
+          <a:prstGeom prst="roundRect">
+            <a:avLst/>
+          </a:prstGeom>
+          <a:solidFill>
+            <a:schemeClr val="bg1"/>
+          </a:solidFill>
+          <a:ln w="19050"/>
+        </p:spPr>
+        <p:style>
+          <a:lnRef idx="2">
+            <a:schemeClr val="accent1">
+              <a:shade val="15000"/>
+            </a:schemeClr>
+          </a:lnRef>
+          <a:fillRef idx="1">
+            <a:schemeClr val="accent1"/>
+          </a:fillRef>
+          <a:effectRef idx="0">
+            <a:schemeClr val="accent1"/>
+          </a:effectRef>
+          <a:fontRef idx="minor">
+            <a:schemeClr val="lt1"/>
+          </a:fontRef>
+        </p:style>
+        <p:txBody>
+          <a:bodyPr rtlCol="0" anchor="ctr"/>
+          <a:lstStyle/>
+          <a:p>
+            <a:pPr algn="ctr"/>
+            <a:r>
+              <a:rPr lang="ko-KR" altLang="en-US" dirty="0">
+                <a:solidFill>
+                  <a:schemeClr val="tx1"/>
+                </a:solidFill>
+                <a:latin typeface="Pretendard SemiBold" panose="02000703000000020004" pitchFamily="2" charset="-127"/>
+                <a:ea typeface="Pretendard SemiBold" panose="02000703000000020004" pitchFamily="2" charset="-127"/>
+                <a:cs typeface="Pretendard SemiBold" panose="02000703000000020004" pitchFamily="2" charset="-127"/>
+              </a:rPr>
+              <a:t>연관성 파악</a:t>
+            </a:r>
+            <a:br>
+              <a:rPr lang="en-US" altLang="ko-KR" dirty="0">
+                <a:solidFill>
+                  <a:schemeClr val="tx1"/>
+                </a:solidFill>
+                <a:latin typeface="Pretendard SemiBold" panose="02000703000000020004" pitchFamily="2" charset="-127"/>
+                <a:ea typeface="Pretendard SemiBold" panose="02000703000000020004" pitchFamily="2" charset="-127"/>
+                <a:cs typeface="Pretendard SemiBold" panose="02000703000000020004" pitchFamily="2" charset="-127"/>
+              </a:rPr>
+            </a:br>
+            <a:r>
+              <a:rPr lang="ko-KR" altLang="en-US" dirty="0">
+                <a:solidFill>
+                  <a:schemeClr val="tx1"/>
+                </a:solidFill>
+                <a:latin typeface="Pretendard SemiBold" panose="02000703000000020004" pitchFamily="2" charset="-127"/>
+                <a:ea typeface="Pretendard SemiBold" panose="02000703000000020004" pitchFamily="2" charset="-127"/>
+                <a:cs typeface="Pretendard SemiBold" panose="02000703000000020004" pitchFamily="2" charset="-127"/>
+              </a:rPr>
+              <a:t>및 비교</a:t>
+            </a:r>
+          </a:p>
+        </p:txBody>
+      </p:sp>
+      <p:sp>
+        <p:nvSpPr>
+          <p:cNvPr id="19" name="사각형: 둥근 모서리 18">
+            <a:extLst>
+              <a:ext uri="{FF2B5EF4-FFF2-40B4-BE49-F238E27FC236}">
+                <a16:creationId xmlns:a16="http://schemas.microsoft.com/office/drawing/2014/main" id="{1B0C3669-F22D-5634-0331-4BA2CB443FA1}"/>
+              </a:ext>
+            </a:extLst>
+          </p:cNvPr>
+          <p:cNvSpPr/>
+          <p:nvPr/>
+        </p:nvSpPr>
+        <p:spPr>
+          <a:xfrm>
+            <a:off x="6418061" y="4500005"/>
+            <a:ext cx="1668773" cy="487859"/>
+          </a:xfrm>
+          <a:prstGeom prst="roundRect">
+            <a:avLst/>
+          </a:prstGeom>
+          <a:solidFill>
+            <a:schemeClr val="bg1"/>
+          </a:solidFill>
+          <a:ln w="19050"/>
+        </p:spPr>
+        <p:style>
+          <a:lnRef idx="2">
+            <a:schemeClr val="accent1">
+              <a:shade val="15000"/>
+            </a:schemeClr>
+          </a:lnRef>
+          <a:fillRef idx="1">
+            <a:schemeClr val="accent1"/>
+          </a:fillRef>
+          <a:effectRef idx="0">
+            <a:schemeClr val="accent1"/>
+          </a:effectRef>
+          <a:fontRef idx="minor">
+            <a:schemeClr val="lt1"/>
+          </a:fontRef>
+        </p:style>
+        <p:txBody>
+          <a:bodyPr rtlCol="0" anchor="ctr"/>
+          <a:lstStyle/>
+          <a:p>
+            <a:pPr algn="ctr"/>
+            <a:r>
+              <a:rPr lang="ko-KR" altLang="en-US" dirty="0">
+                <a:solidFill>
+                  <a:schemeClr val="tx1"/>
+                </a:solidFill>
+                <a:latin typeface="Pretendard SemiBold" panose="02000703000000020004" pitchFamily="2" charset="-127"/>
+                <a:ea typeface="Pretendard SemiBold" panose="02000703000000020004" pitchFamily="2" charset="-127"/>
+                <a:cs typeface="Pretendard SemiBold" panose="02000703000000020004" pitchFamily="2" charset="-127"/>
+              </a:rPr>
+              <a:t>감성분석</a:t>
+            </a:r>
+          </a:p>
+        </p:txBody>
+      </p:sp>
+      <p:sp>
+        <p:nvSpPr>
+          <p:cNvPr id="20" name="사각형: 둥근 모서리 19">
+            <a:extLst>
+              <a:ext uri="{FF2B5EF4-FFF2-40B4-BE49-F238E27FC236}">
+                <a16:creationId xmlns:a16="http://schemas.microsoft.com/office/drawing/2014/main" id="{BF06F0DD-04F8-5663-BFD6-EA1C21A71A1B}"/>
+              </a:ext>
+            </a:extLst>
+          </p:cNvPr>
+          <p:cNvSpPr/>
+          <p:nvPr/>
+        </p:nvSpPr>
+        <p:spPr>
+          <a:xfrm>
+            <a:off x="8429975" y="4500005"/>
+            <a:ext cx="1668773" cy="487859"/>
+          </a:xfrm>
+          <a:prstGeom prst="roundRect">
+            <a:avLst/>
+          </a:prstGeom>
+          <a:solidFill>
+            <a:schemeClr val="bg1"/>
+          </a:solidFill>
+          <a:ln w="19050">
+            <a:prstDash val="sysDash"/>
+          </a:ln>
+        </p:spPr>
+        <p:style>
+          <a:lnRef idx="2">
+            <a:schemeClr val="accent1">
+              <a:shade val="15000"/>
+            </a:schemeClr>
+          </a:lnRef>
+          <a:fillRef idx="1">
+            <a:schemeClr val="accent1"/>
+          </a:fillRef>
+          <a:effectRef idx="0">
+            <a:schemeClr val="accent1"/>
+          </a:effectRef>
+          <a:fontRef idx="minor">
+            <a:schemeClr val="lt1"/>
+          </a:fontRef>
+        </p:style>
+        <p:txBody>
+          <a:bodyPr rtlCol="0" anchor="ctr"/>
+          <a:lstStyle/>
+          <a:p>
+            <a:pPr algn="ctr"/>
+            <a:r>
+              <a:rPr lang="ko-KR" altLang="en-US" dirty="0">
+                <a:solidFill>
+                  <a:schemeClr val="tx1"/>
+                </a:solidFill>
+                <a:latin typeface="Pretendard SemiBold" panose="02000703000000020004" pitchFamily="2" charset="-127"/>
+                <a:ea typeface="Pretendard SemiBold" panose="02000703000000020004" pitchFamily="2" charset="-127"/>
+                <a:cs typeface="Pretendard SemiBold" panose="02000703000000020004" pitchFamily="2" charset="-127"/>
+              </a:rPr>
+              <a:t>지수화</a:t>
+            </a:r>
+          </a:p>
+        </p:txBody>
+      </p:sp>
+      <p:cxnSp>
+        <p:nvCxnSpPr>
+          <p:cNvPr id="23" name="직선 연결선 22">
+            <a:extLst>
+              <a:ext uri="{FF2B5EF4-FFF2-40B4-BE49-F238E27FC236}">
+                <a16:creationId xmlns:a16="http://schemas.microsoft.com/office/drawing/2014/main" id="{FBBE5C17-6CF8-EB44-1629-616ABF74E29A}"/>
+              </a:ext>
+            </a:extLst>
+          </p:cNvPr>
+          <p:cNvCxnSpPr>
+            <a:stCxn id="2" idx="3"/>
+            <a:endCxn id="12" idx="1"/>
+          </p:cNvCxnSpPr>
+          <p:nvPr/>
+        </p:nvCxnSpPr>
+        <p:spPr>
+          <a:xfrm>
+            <a:off x="1876205" y="3266661"/>
+            <a:ext cx="280406" cy="0"/>
+          </a:xfrm>
+          <a:prstGeom prst="line">
+            <a:avLst/>
+          </a:prstGeom>
+          <a:ln w="19050">
+            <a:solidFill>
+              <a:schemeClr val="tx1"/>
+            </a:solidFill>
+          </a:ln>
+        </p:spPr>
+        <p:style>
+          <a:lnRef idx="1">
+            <a:schemeClr val="accent1"/>
+          </a:lnRef>
+          <a:fillRef idx="0">
+            <a:schemeClr val="accent1"/>
+          </a:fillRef>
+          <a:effectRef idx="0">
+            <a:schemeClr val="accent1"/>
+          </a:effectRef>
+          <a:fontRef idx="minor">
+            <a:schemeClr val="tx1"/>
+          </a:fontRef>
+        </p:style>
+      </p:cxnSp>
+      <p:cxnSp>
+        <p:nvCxnSpPr>
+          <p:cNvPr id="25" name="직선 연결선 24">
+            <a:extLst>
+              <a:ext uri="{FF2B5EF4-FFF2-40B4-BE49-F238E27FC236}">
+                <a16:creationId xmlns:a16="http://schemas.microsoft.com/office/drawing/2014/main" id="{985B8AD4-ECA5-25F2-B456-661407F40988}"/>
+              </a:ext>
+            </a:extLst>
+          </p:cNvPr>
+          <p:cNvCxnSpPr>
+            <a:stCxn id="12" idx="3"/>
+            <a:endCxn id="13" idx="1"/>
+          </p:cNvCxnSpPr>
+          <p:nvPr/>
+        </p:nvCxnSpPr>
+        <p:spPr>
+          <a:xfrm>
+            <a:off x="3825384" y="3266661"/>
+            <a:ext cx="334005" cy="0"/>
+          </a:xfrm>
+          <a:prstGeom prst="line">
+            <a:avLst/>
+          </a:prstGeom>
+          <a:ln w="28575">
+            <a:solidFill>
+              <a:srgbClr val="C00000"/>
+            </a:solidFill>
+          </a:ln>
+        </p:spPr>
+        <p:style>
+          <a:lnRef idx="1">
+            <a:schemeClr val="accent1"/>
+          </a:lnRef>
+          <a:fillRef idx="0">
+            <a:schemeClr val="accent1"/>
+          </a:fillRef>
+          <a:effectRef idx="0">
+            <a:schemeClr val="accent1"/>
+          </a:effectRef>
+          <a:fontRef idx="minor">
+            <a:schemeClr val="tx1"/>
+          </a:fontRef>
+        </p:style>
+      </p:cxnSp>
+      <p:cxnSp>
+        <p:nvCxnSpPr>
+          <p:cNvPr id="29" name="직선 연결선 28">
+            <a:extLst>
+              <a:ext uri="{FF2B5EF4-FFF2-40B4-BE49-F238E27FC236}">
+                <a16:creationId xmlns:a16="http://schemas.microsoft.com/office/drawing/2014/main" id="{B0F0AF64-0F6C-5598-4AEB-37AB9D9778B0}"/>
+              </a:ext>
+            </a:extLst>
+          </p:cNvPr>
+          <p:cNvCxnSpPr>
+            <a:stCxn id="14" idx="3"/>
+            <a:endCxn id="17" idx="1"/>
+          </p:cNvCxnSpPr>
+          <p:nvPr/>
+        </p:nvCxnSpPr>
+        <p:spPr>
+          <a:xfrm>
+            <a:off x="8157714" y="1762879"/>
+            <a:ext cx="272261" cy="994"/>
+          </a:xfrm>
+          <a:prstGeom prst="line">
+            <a:avLst/>
+          </a:prstGeom>
+          <a:ln w="19050">
+            <a:solidFill>
+              <a:schemeClr val="tx1"/>
+            </a:solidFill>
+          </a:ln>
+        </p:spPr>
+        <p:style>
+          <a:lnRef idx="1">
+            <a:schemeClr val="accent1"/>
+          </a:lnRef>
+          <a:fillRef idx="0">
+            <a:schemeClr val="accent1"/>
+          </a:fillRef>
+          <a:effectRef idx="0">
+            <a:schemeClr val="accent1"/>
+          </a:effectRef>
+          <a:fontRef idx="minor">
+            <a:schemeClr val="tx1"/>
+          </a:fontRef>
+        </p:style>
+      </p:cxnSp>
+      <p:cxnSp>
+        <p:nvCxnSpPr>
+          <p:cNvPr id="66" name="직선 연결선 65">
+            <a:extLst>
+              <a:ext uri="{FF2B5EF4-FFF2-40B4-BE49-F238E27FC236}">
+                <a16:creationId xmlns:a16="http://schemas.microsoft.com/office/drawing/2014/main" id="{ADB3EEE9-CFF9-5473-8FFA-EDE8AB712A25}"/>
+              </a:ext>
+            </a:extLst>
+          </p:cNvPr>
+          <p:cNvCxnSpPr>
+            <a:stCxn id="17" idx="3"/>
+            <a:endCxn id="18" idx="1"/>
+          </p:cNvCxnSpPr>
+          <p:nvPr/>
+        </p:nvCxnSpPr>
+        <p:spPr>
+          <a:xfrm>
+            <a:off x="10098748" y="1763873"/>
+            <a:ext cx="226355" cy="0"/>
+          </a:xfrm>
+          <a:prstGeom prst="line">
+            <a:avLst/>
+          </a:prstGeom>
+          <a:ln w="19050">
+            <a:solidFill>
+              <a:schemeClr val="tx1"/>
+            </a:solidFill>
+          </a:ln>
+        </p:spPr>
+        <p:style>
+          <a:lnRef idx="1">
+            <a:schemeClr val="accent1"/>
+          </a:lnRef>
+          <a:fillRef idx="0">
+            <a:schemeClr val="accent1"/>
+          </a:fillRef>
+          <a:effectRef idx="0">
+            <a:schemeClr val="accent1"/>
+          </a:effectRef>
+          <a:fontRef idx="minor">
+            <a:schemeClr val="tx1"/>
+          </a:fontRef>
+        </p:style>
+      </p:cxnSp>
+      <p:cxnSp>
+        <p:nvCxnSpPr>
+          <p:cNvPr id="68" name="직선 연결선 67">
+            <a:extLst>
+              <a:ext uri="{FF2B5EF4-FFF2-40B4-BE49-F238E27FC236}">
+                <a16:creationId xmlns:a16="http://schemas.microsoft.com/office/drawing/2014/main" id="{C033FD1E-3088-10F8-6DE4-DECC893266EE}"/>
+              </a:ext>
+            </a:extLst>
+          </p:cNvPr>
+          <p:cNvCxnSpPr>
+            <a:stCxn id="19" idx="3"/>
+            <a:endCxn id="20" idx="1"/>
+          </p:cNvCxnSpPr>
+          <p:nvPr/>
+        </p:nvCxnSpPr>
+        <p:spPr>
+          <a:xfrm>
+            <a:off x="8086834" y="4743935"/>
+            <a:ext cx="343141" cy="0"/>
+          </a:xfrm>
+          <a:prstGeom prst="line">
+            <a:avLst/>
+          </a:prstGeom>
+          <a:ln w="19050">
+            <a:solidFill>
+              <a:schemeClr val="tx1"/>
+            </a:solidFill>
+            <a:prstDash val="sysDash"/>
+          </a:ln>
+        </p:spPr>
+        <p:style>
+          <a:lnRef idx="1">
+            <a:schemeClr val="accent1"/>
+          </a:lnRef>
+          <a:fillRef idx="0">
+            <a:schemeClr val="accent1"/>
+          </a:fillRef>
+          <a:effectRef idx="0">
+            <a:schemeClr val="accent1"/>
+          </a:effectRef>
+          <a:fontRef idx="minor">
+            <a:schemeClr val="tx1"/>
+          </a:fontRef>
+        </p:style>
+      </p:cxnSp>
+      <p:cxnSp>
+        <p:nvCxnSpPr>
+          <p:cNvPr id="74" name="연결선: 구부러짐 73">
+            <a:extLst>
+              <a:ext uri="{FF2B5EF4-FFF2-40B4-BE49-F238E27FC236}">
+                <a16:creationId xmlns:a16="http://schemas.microsoft.com/office/drawing/2014/main" id="{28B93EAF-CB15-C5CB-93F9-D343CE9535AA}"/>
+              </a:ext>
+            </a:extLst>
+          </p:cNvPr>
+          <p:cNvCxnSpPr>
+            <a:stCxn id="13" idx="3"/>
+            <a:endCxn id="14" idx="1"/>
+          </p:cNvCxnSpPr>
+          <p:nvPr/>
+        </p:nvCxnSpPr>
+        <p:spPr>
+          <a:xfrm flipV="1">
+            <a:off x="5828162" y="1762879"/>
+            <a:ext cx="660779" cy="1503782"/>
+          </a:xfrm>
+          <a:prstGeom prst="curvedConnector3">
+            <a:avLst/>
+          </a:prstGeom>
+          <a:ln w="19050">
+            <a:solidFill>
+              <a:schemeClr val="tx1"/>
+            </a:solidFill>
+          </a:ln>
+        </p:spPr>
+        <p:style>
+          <a:lnRef idx="1">
+            <a:schemeClr val="accent1"/>
+          </a:lnRef>
+          <a:fillRef idx="0">
+            <a:schemeClr val="accent1"/>
+          </a:fillRef>
+          <a:effectRef idx="0">
+            <a:schemeClr val="accent1"/>
+          </a:effectRef>
+          <a:fontRef idx="minor">
+            <a:schemeClr val="tx1"/>
+          </a:fontRef>
+        </p:style>
+      </p:cxnSp>
+      <p:cxnSp>
+        <p:nvCxnSpPr>
+          <p:cNvPr id="76" name="연결선: 구부러짐 75">
+            <a:extLst>
+              <a:ext uri="{FF2B5EF4-FFF2-40B4-BE49-F238E27FC236}">
+                <a16:creationId xmlns:a16="http://schemas.microsoft.com/office/drawing/2014/main" id="{B315F49B-A6A1-EAF3-4740-19E484D5B028}"/>
+              </a:ext>
+            </a:extLst>
+          </p:cNvPr>
+          <p:cNvCxnSpPr>
+            <a:stCxn id="13" idx="3"/>
+            <a:endCxn id="19" idx="1"/>
+          </p:cNvCxnSpPr>
+          <p:nvPr/>
+        </p:nvCxnSpPr>
+        <p:spPr>
+          <a:xfrm>
+            <a:off x="5828162" y="3266661"/>
+            <a:ext cx="589899" cy="1477274"/>
+          </a:xfrm>
+          <a:prstGeom prst="curvedConnector3">
+            <a:avLst/>
+          </a:prstGeom>
+          <a:ln w="19050">
+            <a:solidFill>
+              <a:schemeClr val="tx1"/>
+            </a:solidFill>
+          </a:ln>
+        </p:spPr>
+        <p:style>
+          <a:lnRef idx="1">
+            <a:schemeClr val="accent1"/>
+          </a:lnRef>
+          <a:fillRef idx="0">
+            <a:schemeClr val="accent1"/>
+          </a:fillRef>
+          <a:effectRef idx="0">
+            <a:schemeClr val="accent1"/>
+          </a:effectRef>
+          <a:fontRef idx="minor">
+            <a:schemeClr val="tx1"/>
+          </a:fontRef>
+        </p:style>
+      </p:cxnSp>
+    </p:spTree>
+    <p:extLst>
+      <p:ext uri="{BB962C8B-B14F-4D97-AF65-F5344CB8AC3E}">
+        <p14:creationId xmlns:p14="http://schemas.microsoft.com/office/powerpoint/2010/main" val="1145079618"/>
       </p:ext>
     </p:extLst>
   </p:cSld>
